--- a/demo.pptx
+++ b/demo.pptx
@@ -7,14 +7,15 @@
   <p:sldIdLst>
     <p:sldId id="256" r:id="rId2"/>
     <p:sldId id="257" r:id="rId3"/>
-    <p:sldId id="258" r:id="rId4"/>
-    <p:sldId id="259" r:id="rId5"/>
-    <p:sldId id="261" r:id="rId6"/>
-    <p:sldId id="260" r:id="rId7"/>
-    <p:sldId id="262" r:id="rId8"/>
+    <p:sldId id="266" r:id="rId4"/>
+    <p:sldId id="258" r:id="rId5"/>
+    <p:sldId id="259" r:id="rId6"/>
+    <p:sldId id="261" r:id="rId7"/>
+    <p:sldId id="260" r:id="rId8"/>
     <p:sldId id="263" r:id="rId9"/>
-    <p:sldId id="264" r:id="rId10"/>
-    <p:sldId id="265" r:id="rId11"/>
+    <p:sldId id="262" r:id="rId10"/>
+    <p:sldId id="264" r:id="rId11"/>
+    <p:sldId id="265" r:id="rId12"/>
   </p:sldIdLst>
   <p:sldSz cx="12192000" cy="6858000"/>
   <p:notesSz cx="6858000" cy="9144000"/>
@@ -6259,6 +6260,975 @@
       </p:grpSpPr>
       <p:sp>
         <p:nvSpPr>
+          <p:cNvPr id="5" name="Content Placeholder 2"/>
+          <p:cNvSpPr txBox="1">
+            <a:spLocks/>
+          </p:cNvSpPr>
+          <p:nvPr/>
+        </p:nvSpPr>
+        <p:spPr>
+          <a:xfrm>
+            <a:off x="3581400" y="4659992"/>
+            <a:ext cx="4582886" cy="1295854"/>
+          </a:xfrm>
+          <a:prstGeom prst="rect">
+            <a:avLst/>
+          </a:prstGeom>
+        </p:spPr>
+        <p:txBody>
+          <a:bodyPr vert="horz" lIns="91440" tIns="45720" rIns="91440" bIns="45720" rtlCol="0">
+            <a:normAutofit/>
+          </a:bodyPr>
+          <a:lstStyle>
+            <a:lvl1pPr marL="228600" indent="-228600" algn="l" defTabSz="914400" rtl="0" eaLnBrk="1" latinLnBrk="0" hangingPunct="1">
+              <a:lnSpc>
+                <a:spcPct val="90000"/>
+              </a:lnSpc>
+              <a:spcBef>
+                <a:spcPts val="1000"/>
+              </a:spcBef>
+              <a:buFont typeface="Arial" panose="020B0604020202020204" pitchFamily="34" charset="0"/>
+              <a:buChar char="•"/>
+              <a:defRPr sz="2800" kern="1200">
+                <a:solidFill>
+                  <a:schemeClr val="tx1"/>
+                </a:solidFill>
+                <a:latin typeface="+mn-lt"/>
+                <a:ea typeface="+mn-ea"/>
+                <a:cs typeface="+mn-cs"/>
+              </a:defRPr>
+            </a:lvl1pPr>
+            <a:lvl2pPr marL="685800" indent="-228600" algn="l" defTabSz="914400" rtl="0" eaLnBrk="1" latinLnBrk="0" hangingPunct="1">
+              <a:lnSpc>
+                <a:spcPct val="90000"/>
+              </a:lnSpc>
+              <a:spcBef>
+                <a:spcPts val="500"/>
+              </a:spcBef>
+              <a:buFont typeface="Arial" panose="020B0604020202020204" pitchFamily="34" charset="0"/>
+              <a:buChar char="•"/>
+              <a:defRPr sz="2400" kern="1200">
+                <a:solidFill>
+                  <a:schemeClr val="tx1"/>
+                </a:solidFill>
+                <a:latin typeface="+mn-lt"/>
+                <a:ea typeface="+mn-ea"/>
+                <a:cs typeface="+mn-cs"/>
+              </a:defRPr>
+            </a:lvl2pPr>
+            <a:lvl3pPr marL="1143000" indent="-228600" algn="l" defTabSz="914400" rtl="0" eaLnBrk="1" latinLnBrk="0" hangingPunct="1">
+              <a:lnSpc>
+                <a:spcPct val="90000"/>
+              </a:lnSpc>
+              <a:spcBef>
+                <a:spcPts val="500"/>
+              </a:spcBef>
+              <a:buFont typeface="Arial" panose="020B0604020202020204" pitchFamily="34" charset="0"/>
+              <a:buChar char="•"/>
+              <a:defRPr sz="2000" kern="1200">
+                <a:solidFill>
+                  <a:schemeClr val="tx1"/>
+                </a:solidFill>
+                <a:latin typeface="+mn-lt"/>
+                <a:ea typeface="+mn-ea"/>
+                <a:cs typeface="+mn-cs"/>
+              </a:defRPr>
+            </a:lvl3pPr>
+            <a:lvl4pPr marL="1600200" indent="-228600" algn="l" defTabSz="914400" rtl="0" eaLnBrk="1" latinLnBrk="0" hangingPunct="1">
+              <a:lnSpc>
+                <a:spcPct val="90000"/>
+              </a:lnSpc>
+              <a:spcBef>
+                <a:spcPts val="500"/>
+              </a:spcBef>
+              <a:buFont typeface="Arial" panose="020B0604020202020204" pitchFamily="34" charset="0"/>
+              <a:buChar char="•"/>
+              <a:defRPr sz="1800" kern="1200">
+                <a:solidFill>
+                  <a:schemeClr val="tx1"/>
+                </a:solidFill>
+                <a:latin typeface="+mn-lt"/>
+                <a:ea typeface="+mn-ea"/>
+                <a:cs typeface="+mn-cs"/>
+              </a:defRPr>
+            </a:lvl4pPr>
+            <a:lvl5pPr marL="2057400" indent="-228600" algn="l" defTabSz="914400" rtl="0" eaLnBrk="1" latinLnBrk="0" hangingPunct="1">
+              <a:lnSpc>
+                <a:spcPct val="90000"/>
+              </a:lnSpc>
+              <a:spcBef>
+                <a:spcPts val="500"/>
+              </a:spcBef>
+              <a:buFont typeface="Arial" panose="020B0604020202020204" pitchFamily="34" charset="0"/>
+              <a:buChar char="•"/>
+              <a:defRPr sz="1800" kern="1200">
+                <a:solidFill>
+                  <a:schemeClr val="tx1"/>
+                </a:solidFill>
+                <a:latin typeface="+mn-lt"/>
+                <a:ea typeface="+mn-ea"/>
+                <a:cs typeface="+mn-cs"/>
+              </a:defRPr>
+            </a:lvl5pPr>
+            <a:lvl6pPr marL="2514600" indent="-228600" algn="l" defTabSz="914400" rtl="0" eaLnBrk="1" latinLnBrk="0" hangingPunct="1">
+              <a:lnSpc>
+                <a:spcPct val="90000"/>
+              </a:lnSpc>
+              <a:spcBef>
+                <a:spcPts val="500"/>
+              </a:spcBef>
+              <a:buFont typeface="Arial" panose="020B0604020202020204" pitchFamily="34" charset="0"/>
+              <a:buChar char="•"/>
+              <a:defRPr sz="1800" kern="1200">
+                <a:solidFill>
+                  <a:schemeClr val="tx1"/>
+                </a:solidFill>
+                <a:latin typeface="+mn-lt"/>
+                <a:ea typeface="+mn-ea"/>
+                <a:cs typeface="+mn-cs"/>
+              </a:defRPr>
+            </a:lvl6pPr>
+            <a:lvl7pPr marL="2971800" indent="-228600" algn="l" defTabSz="914400" rtl="0" eaLnBrk="1" latinLnBrk="0" hangingPunct="1">
+              <a:lnSpc>
+                <a:spcPct val="90000"/>
+              </a:lnSpc>
+              <a:spcBef>
+                <a:spcPts val="500"/>
+              </a:spcBef>
+              <a:buFont typeface="Arial" panose="020B0604020202020204" pitchFamily="34" charset="0"/>
+              <a:buChar char="•"/>
+              <a:defRPr sz="1800" kern="1200">
+                <a:solidFill>
+                  <a:schemeClr val="tx1"/>
+                </a:solidFill>
+                <a:latin typeface="+mn-lt"/>
+                <a:ea typeface="+mn-ea"/>
+                <a:cs typeface="+mn-cs"/>
+              </a:defRPr>
+            </a:lvl7pPr>
+            <a:lvl8pPr marL="3429000" indent="-228600" algn="l" defTabSz="914400" rtl="0" eaLnBrk="1" latinLnBrk="0" hangingPunct="1">
+              <a:lnSpc>
+                <a:spcPct val="90000"/>
+              </a:lnSpc>
+              <a:spcBef>
+                <a:spcPts val="500"/>
+              </a:spcBef>
+              <a:buFont typeface="Arial" panose="020B0604020202020204" pitchFamily="34" charset="0"/>
+              <a:buChar char="•"/>
+              <a:defRPr sz="1800" kern="1200">
+                <a:solidFill>
+                  <a:schemeClr val="tx1"/>
+                </a:solidFill>
+                <a:latin typeface="+mn-lt"/>
+                <a:ea typeface="+mn-ea"/>
+                <a:cs typeface="+mn-cs"/>
+              </a:defRPr>
+            </a:lvl8pPr>
+            <a:lvl9pPr marL="3886200" indent="-228600" algn="l" defTabSz="914400" rtl="0" eaLnBrk="1" latinLnBrk="0" hangingPunct="1">
+              <a:lnSpc>
+                <a:spcPct val="90000"/>
+              </a:lnSpc>
+              <a:spcBef>
+                <a:spcPts val="500"/>
+              </a:spcBef>
+              <a:buFont typeface="Arial" panose="020B0604020202020204" pitchFamily="34" charset="0"/>
+              <a:buChar char="•"/>
+              <a:defRPr sz="1800" kern="1200">
+                <a:solidFill>
+                  <a:schemeClr val="tx1"/>
+                </a:solidFill>
+                <a:latin typeface="+mn-lt"/>
+                <a:ea typeface="+mn-ea"/>
+                <a:cs typeface="+mn-cs"/>
+              </a:defRPr>
+            </a:lvl9pPr>
+          </a:lstStyle>
+          <a:p>
+            <a:pPr>
+              <a:buFont typeface="Wingdings" panose="05000000000000000000" pitchFamily="2" charset="2"/>
+              <a:buChar char="Ø"/>
+            </a:pPr>
+            <a:r>
+              <a:rPr lang="en-GB" sz="2400" dirty="0" smtClean="0">
+                <a:latin typeface="Calibri" panose="020F0502020204030204" pitchFamily="34" charset="0"/>
+              </a:rPr>
+              <a:t>Open source</a:t>
+            </a:r>
+          </a:p>
+          <a:p>
+            <a:pPr>
+              <a:buFont typeface="Wingdings" panose="05000000000000000000" pitchFamily="2" charset="2"/>
+              <a:buChar char="Ø"/>
+            </a:pPr>
+            <a:r>
+              <a:rPr lang="en-GB" sz="2400" dirty="0" smtClean="0">
+                <a:latin typeface="Calibri" panose="020F0502020204030204" pitchFamily="34" charset="0"/>
+              </a:rPr>
+              <a:t>Parrot </a:t>
+            </a:r>
+            <a:r>
+              <a:rPr lang="en-GB" sz="2400" dirty="0" err="1" smtClean="0">
+                <a:latin typeface="Calibri" panose="020F0502020204030204" pitchFamily="34" charset="0"/>
+              </a:rPr>
+              <a:t>AR.Drone</a:t>
+            </a:r>
+            <a:r>
+              <a:rPr lang="en-GB" sz="2400" dirty="0" smtClean="0">
+                <a:latin typeface="Calibri" panose="020F0502020204030204" pitchFamily="34" charset="0"/>
+              </a:rPr>
+              <a:t> 2.0 owners</a:t>
+            </a:r>
+            <a:endParaRPr lang="en-GB" sz="2400" dirty="0">
+              <a:latin typeface="Calibri" panose="020F0502020204030204" pitchFamily="34" charset="0"/>
+            </a:endParaRPr>
+          </a:p>
+        </p:txBody>
+      </p:sp>
+      <p:pic>
+        <p:nvPicPr>
+          <p:cNvPr id="6" name="Picture 5"/>
+          <p:cNvPicPr>
+            <a:picLocks noChangeAspect="1"/>
+          </p:cNvPicPr>
+          <p:nvPr/>
+        </p:nvPicPr>
+        <p:blipFill>
+          <a:blip r:embed="rId2">
+            <a:extLst>
+              <a:ext uri="{28A0092B-C50C-407E-A947-70E740481C1C}">
+                <a14:useLocalDpi xmlns:a14="http://schemas.microsoft.com/office/drawing/2010/main" val="0"/>
+              </a:ext>
+            </a:extLst>
+          </a:blip>
+          <a:stretch>
+            <a:fillRect/>
+          </a:stretch>
+        </p:blipFill>
+        <p:spPr>
+          <a:xfrm>
+            <a:off x="9661577" y="0"/>
+            <a:ext cx="1839686" cy="1839686"/>
+          </a:xfrm>
+          <a:prstGeom prst="rect">
+            <a:avLst/>
+          </a:prstGeom>
+        </p:spPr>
+      </p:pic>
+      <p:sp>
+        <p:nvSpPr>
+          <p:cNvPr id="8" name="Title 1"/>
+          <p:cNvSpPr txBox="1">
+            <a:spLocks/>
+          </p:cNvSpPr>
+          <p:nvPr/>
+        </p:nvSpPr>
+        <p:spPr>
+          <a:xfrm>
+            <a:off x="1830387" y="620485"/>
+            <a:ext cx="8084910" cy="1273629"/>
+          </a:xfrm>
+          <a:prstGeom prst="rect">
+            <a:avLst/>
+          </a:prstGeom>
+          <a:effectLst/>
+        </p:spPr>
+        <p:txBody>
+          <a:bodyPr vert="horz" lIns="91440" tIns="45720" rIns="91440" bIns="45720" rtlCol="0" anchor="ctr">
+            <a:normAutofit/>
+          </a:bodyPr>
+          <a:lstStyle>
+            <a:lvl1pPr algn="ctr" defTabSz="457200" rtl="0" eaLnBrk="1" latinLnBrk="0" hangingPunct="1">
+              <a:spcBef>
+                <a:spcPct val="0"/>
+              </a:spcBef>
+              <a:buNone/>
+              <a:defRPr sz="4000" kern="1200" cap="none">
+                <a:ln w="3175" cmpd="sng">
+                  <a:noFill/>
+                </a:ln>
+                <a:solidFill>
+                  <a:schemeClr val="tx1"/>
+                </a:solidFill>
+                <a:effectLst/>
+                <a:latin typeface="+mj-lt"/>
+                <a:ea typeface="+mj-ea"/>
+                <a:cs typeface="+mj-cs"/>
+              </a:defRPr>
+            </a:lvl1pPr>
+            <a:lvl2pPr eaLnBrk="1" hangingPunct="1">
+              <a:defRPr>
+                <a:solidFill>
+                  <a:schemeClr val="tx2"/>
+                </a:solidFill>
+              </a:defRPr>
+            </a:lvl2pPr>
+            <a:lvl3pPr eaLnBrk="1" hangingPunct="1">
+              <a:defRPr>
+                <a:solidFill>
+                  <a:schemeClr val="tx2"/>
+                </a:solidFill>
+              </a:defRPr>
+            </a:lvl3pPr>
+            <a:lvl4pPr eaLnBrk="1" hangingPunct="1">
+              <a:defRPr>
+                <a:solidFill>
+                  <a:schemeClr val="tx2"/>
+                </a:solidFill>
+              </a:defRPr>
+            </a:lvl4pPr>
+            <a:lvl5pPr eaLnBrk="1" hangingPunct="1">
+              <a:defRPr>
+                <a:solidFill>
+                  <a:schemeClr val="tx2"/>
+                </a:solidFill>
+              </a:defRPr>
+            </a:lvl5pPr>
+            <a:lvl6pPr eaLnBrk="1" hangingPunct="1">
+              <a:defRPr>
+                <a:solidFill>
+                  <a:schemeClr val="tx2"/>
+                </a:solidFill>
+              </a:defRPr>
+            </a:lvl6pPr>
+            <a:lvl7pPr eaLnBrk="1" hangingPunct="1">
+              <a:defRPr>
+                <a:solidFill>
+                  <a:schemeClr val="tx2"/>
+                </a:solidFill>
+              </a:defRPr>
+            </a:lvl7pPr>
+            <a:lvl8pPr eaLnBrk="1" hangingPunct="1">
+              <a:defRPr>
+                <a:solidFill>
+                  <a:schemeClr val="tx2"/>
+                </a:solidFill>
+              </a:defRPr>
+            </a:lvl8pPr>
+            <a:lvl9pPr eaLnBrk="1" hangingPunct="1">
+              <a:defRPr>
+                <a:solidFill>
+                  <a:schemeClr val="tx2"/>
+                </a:solidFill>
+              </a:defRPr>
+            </a:lvl9pPr>
+          </a:lstStyle>
+          <a:p>
+            <a:r>
+              <a:rPr lang="en-GB" dirty="0" smtClean="0">
+                <a:latin typeface="Calibri" panose="020F0502020204030204" pitchFamily="34" charset="0"/>
+              </a:rPr>
+              <a:t>Further development</a:t>
+            </a:r>
+            <a:endParaRPr lang="en-GB" dirty="0">
+              <a:latin typeface="Calibri" panose="020F0502020204030204" pitchFamily="34" charset="0"/>
+            </a:endParaRPr>
+          </a:p>
+        </p:txBody>
+      </p:sp>
+      <p:sp>
+        <p:nvSpPr>
+          <p:cNvPr id="9" name="Title 1"/>
+          <p:cNvSpPr txBox="1">
+            <a:spLocks/>
+          </p:cNvSpPr>
+          <p:nvPr/>
+        </p:nvSpPr>
+        <p:spPr>
+          <a:xfrm>
+            <a:off x="863485" y="3331935"/>
+            <a:ext cx="10018713" cy="1273629"/>
+          </a:xfrm>
+          <a:prstGeom prst="rect">
+            <a:avLst/>
+          </a:prstGeom>
+          <a:effectLst/>
+        </p:spPr>
+        <p:txBody>
+          <a:bodyPr vert="horz" lIns="91440" tIns="45720" rIns="91440" bIns="45720" rtlCol="0" anchor="ctr">
+            <a:normAutofit/>
+          </a:bodyPr>
+          <a:lstStyle>
+            <a:lvl1pPr algn="ctr" defTabSz="457200" rtl="0" eaLnBrk="1" latinLnBrk="0" hangingPunct="1">
+              <a:spcBef>
+                <a:spcPct val="0"/>
+              </a:spcBef>
+              <a:buNone/>
+              <a:defRPr sz="4000" kern="1200" cap="none">
+                <a:ln w="3175" cmpd="sng">
+                  <a:noFill/>
+                </a:ln>
+                <a:solidFill>
+                  <a:schemeClr val="tx1"/>
+                </a:solidFill>
+                <a:effectLst/>
+                <a:latin typeface="+mj-lt"/>
+                <a:ea typeface="+mj-ea"/>
+                <a:cs typeface="+mj-cs"/>
+              </a:defRPr>
+            </a:lvl1pPr>
+            <a:lvl2pPr eaLnBrk="1" hangingPunct="1">
+              <a:defRPr>
+                <a:solidFill>
+                  <a:schemeClr val="tx2"/>
+                </a:solidFill>
+              </a:defRPr>
+            </a:lvl2pPr>
+            <a:lvl3pPr eaLnBrk="1" hangingPunct="1">
+              <a:defRPr>
+                <a:solidFill>
+                  <a:schemeClr val="tx2"/>
+                </a:solidFill>
+              </a:defRPr>
+            </a:lvl3pPr>
+            <a:lvl4pPr eaLnBrk="1" hangingPunct="1">
+              <a:defRPr>
+                <a:solidFill>
+                  <a:schemeClr val="tx2"/>
+                </a:solidFill>
+              </a:defRPr>
+            </a:lvl4pPr>
+            <a:lvl5pPr eaLnBrk="1" hangingPunct="1">
+              <a:defRPr>
+                <a:solidFill>
+                  <a:schemeClr val="tx2"/>
+                </a:solidFill>
+              </a:defRPr>
+            </a:lvl5pPr>
+            <a:lvl6pPr eaLnBrk="1" hangingPunct="1">
+              <a:defRPr>
+                <a:solidFill>
+                  <a:schemeClr val="tx2"/>
+                </a:solidFill>
+              </a:defRPr>
+            </a:lvl6pPr>
+            <a:lvl7pPr eaLnBrk="1" hangingPunct="1">
+              <a:defRPr>
+                <a:solidFill>
+                  <a:schemeClr val="tx2"/>
+                </a:solidFill>
+              </a:defRPr>
+            </a:lvl7pPr>
+            <a:lvl8pPr eaLnBrk="1" hangingPunct="1">
+              <a:defRPr>
+                <a:solidFill>
+                  <a:schemeClr val="tx2"/>
+                </a:solidFill>
+              </a:defRPr>
+            </a:lvl8pPr>
+            <a:lvl9pPr eaLnBrk="1" hangingPunct="1">
+              <a:defRPr>
+                <a:solidFill>
+                  <a:schemeClr val="tx2"/>
+                </a:solidFill>
+              </a:defRPr>
+            </a:lvl9pPr>
+          </a:lstStyle>
+          <a:p>
+            <a:r>
+              <a:rPr lang="en-GB" dirty="0" smtClean="0">
+                <a:latin typeface="Calibri" panose="020F0502020204030204" pitchFamily="34" charset="0"/>
+              </a:rPr>
+              <a:t>Project </a:t>
+            </a:r>
+            <a:r>
+              <a:rPr lang="en-GB" dirty="0" err="1" smtClean="0">
+                <a:latin typeface="Calibri" panose="020F0502020204030204" pitchFamily="34" charset="0"/>
+              </a:rPr>
+              <a:t>beneficieries</a:t>
+            </a:r>
+            <a:endParaRPr lang="en-GB" dirty="0">
+              <a:latin typeface="Calibri" panose="020F0502020204030204" pitchFamily="34" charset="0"/>
+            </a:endParaRPr>
+          </a:p>
+        </p:txBody>
+      </p:sp>
+      <p:sp>
+        <p:nvSpPr>
+          <p:cNvPr id="10" name="TextBox 9"/>
+          <p:cNvSpPr txBox="1"/>
+          <p:nvPr/>
+        </p:nvSpPr>
+        <p:spPr>
+          <a:xfrm>
+            <a:off x="3581400" y="2072442"/>
+            <a:ext cx="3692742" cy="1569660"/>
+          </a:xfrm>
+          <a:prstGeom prst="rect">
+            <a:avLst/>
+          </a:prstGeom>
+          <a:noFill/>
+        </p:spPr>
+        <p:txBody>
+          <a:bodyPr wrap="none" rtlCol="0">
+            <a:spAutoFit/>
+          </a:bodyPr>
+          <a:lstStyle/>
+          <a:p>
+            <a:pPr>
+              <a:buFont typeface="Wingdings" panose="05000000000000000000" pitchFamily="2" charset="2"/>
+              <a:buChar char="Ø"/>
+            </a:pPr>
+            <a:r>
+              <a:rPr lang="en-GB" sz="2400" dirty="0">
+                <a:latin typeface="Calibri" panose="020F0502020204030204" pitchFamily="34" charset="0"/>
+              </a:rPr>
+              <a:t>Smoother drone controls</a:t>
+            </a:r>
+          </a:p>
+          <a:p>
+            <a:pPr>
+              <a:buFont typeface="Wingdings" panose="05000000000000000000" pitchFamily="2" charset="2"/>
+              <a:buChar char="Ø"/>
+            </a:pPr>
+            <a:r>
+              <a:rPr lang="en-GB" sz="2400" dirty="0">
+                <a:latin typeface="Calibri" panose="020F0502020204030204" pitchFamily="34" charset="0"/>
+              </a:rPr>
+              <a:t>Better pattern recognition</a:t>
+            </a:r>
+          </a:p>
+          <a:p>
+            <a:pPr>
+              <a:buFont typeface="Wingdings" panose="05000000000000000000" pitchFamily="2" charset="2"/>
+              <a:buChar char="Ø"/>
+            </a:pPr>
+            <a:r>
+              <a:rPr lang="en-GB" sz="2400" dirty="0">
+                <a:latin typeface="Calibri" panose="020F0502020204030204" pitchFamily="34" charset="0"/>
+              </a:rPr>
+              <a:t>More advanced game</a:t>
+            </a:r>
+          </a:p>
+          <a:p>
+            <a:endParaRPr lang="en-GB" sz="2400" dirty="0">
+              <a:latin typeface="Calibri" panose="020F0502020204030204" pitchFamily="34" charset="0"/>
+            </a:endParaRPr>
+          </a:p>
+        </p:txBody>
+      </p:sp>
+    </p:spTree>
+    <p:extLst>
+      <p:ext uri="{BB962C8B-B14F-4D97-AF65-F5344CB8AC3E}">
+        <p14:creationId xmlns:p14="http://schemas.microsoft.com/office/powerpoint/2010/main" val="4151553255"/>
+      </p:ext>
+    </p:extLst>
+  </p:cSld>
+  <p:clrMapOvr>
+    <a:masterClrMapping/>
+  </p:clrMapOvr>
+  <p:timing>
+    <p:tnLst>
+      <p:par>
+        <p:cTn id="1" dur="indefinite" restart="never" nodeType="tmRoot">
+          <p:childTnLst>
+            <p:seq concurrent="1" nextAc="seek">
+              <p:cTn id="2" dur="indefinite" nodeType="mainSeq">
+                <p:childTnLst>
+                  <p:par>
+                    <p:cTn id="3" fill="hold">
+                      <p:stCondLst>
+                        <p:cond delay="indefinite"/>
+                      </p:stCondLst>
+                      <p:childTnLst>
+                        <p:par>
+                          <p:cTn id="4" fill="hold">
+                            <p:stCondLst>
+                              <p:cond delay="0"/>
+                            </p:stCondLst>
+                            <p:childTnLst>
+                              <p:par>
+                                <p:cTn id="5" presetID="10" presetClass="entr" presetSubtype="0" fill="hold" nodeType="clickEffect">
+                                  <p:stCondLst>
+                                    <p:cond delay="0"/>
+                                  </p:stCondLst>
+                                  <p:childTnLst>
+                                    <p:set>
+                                      <p:cBhvr>
+                                        <p:cTn id="6" dur="1" fill="hold">
+                                          <p:stCondLst>
+                                            <p:cond delay="0"/>
+                                          </p:stCondLst>
+                                        </p:cTn>
+                                        <p:tgtEl>
+                                          <p:spTgt spid="10">
+                                            <p:txEl>
+                                              <p:pRg st="0" end="0"/>
+                                            </p:txEl>
+                                          </p:spTgt>
+                                        </p:tgtEl>
+                                        <p:attrNameLst>
+                                          <p:attrName>style.visibility</p:attrName>
+                                        </p:attrNameLst>
+                                      </p:cBhvr>
+                                      <p:to>
+                                        <p:strVal val="visible"/>
+                                      </p:to>
+                                    </p:set>
+                                    <p:animEffect transition="in" filter="fade">
+                                      <p:cBhvr>
+                                        <p:cTn id="7" dur="500"/>
+                                        <p:tgtEl>
+                                          <p:spTgt spid="10">
+                                            <p:txEl>
+                                              <p:pRg st="0" end="0"/>
+                                            </p:txEl>
+                                          </p:spTgt>
+                                        </p:tgtEl>
+                                      </p:cBhvr>
+                                    </p:animEffect>
+                                  </p:childTnLst>
+                                </p:cTn>
+                              </p:par>
+                            </p:childTnLst>
+                          </p:cTn>
+                        </p:par>
+                      </p:childTnLst>
+                    </p:cTn>
+                  </p:par>
+                  <p:par>
+                    <p:cTn id="8" fill="hold">
+                      <p:stCondLst>
+                        <p:cond delay="indefinite"/>
+                      </p:stCondLst>
+                      <p:childTnLst>
+                        <p:par>
+                          <p:cTn id="9" fill="hold">
+                            <p:stCondLst>
+                              <p:cond delay="0"/>
+                            </p:stCondLst>
+                            <p:childTnLst>
+                              <p:par>
+                                <p:cTn id="10" presetID="10" presetClass="entr" presetSubtype="0" fill="hold" nodeType="clickEffect">
+                                  <p:stCondLst>
+                                    <p:cond delay="0"/>
+                                  </p:stCondLst>
+                                  <p:childTnLst>
+                                    <p:set>
+                                      <p:cBhvr>
+                                        <p:cTn id="11" dur="1" fill="hold">
+                                          <p:stCondLst>
+                                            <p:cond delay="0"/>
+                                          </p:stCondLst>
+                                        </p:cTn>
+                                        <p:tgtEl>
+                                          <p:spTgt spid="10">
+                                            <p:txEl>
+                                              <p:pRg st="1" end="1"/>
+                                            </p:txEl>
+                                          </p:spTgt>
+                                        </p:tgtEl>
+                                        <p:attrNameLst>
+                                          <p:attrName>style.visibility</p:attrName>
+                                        </p:attrNameLst>
+                                      </p:cBhvr>
+                                      <p:to>
+                                        <p:strVal val="visible"/>
+                                      </p:to>
+                                    </p:set>
+                                    <p:animEffect transition="in" filter="fade">
+                                      <p:cBhvr>
+                                        <p:cTn id="12" dur="500"/>
+                                        <p:tgtEl>
+                                          <p:spTgt spid="10">
+                                            <p:txEl>
+                                              <p:pRg st="1" end="1"/>
+                                            </p:txEl>
+                                          </p:spTgt>
+                                        </p:tgtEl>
+                                      </p:cBhvr>
+                                    </p:animEffect>
+                                  </p:childTnLst>
+                                </p:cTn>
+                              </p:par>
+                            </p:childTnLst>
+                          </p:cTn>
+                        </p:par>
+                      </p:childTnLst>
+                    </p:cTn>
+                  </p:par>
+                  <p:par>
+                    <p:cTn id="13" fill="hold">
+                      <p:stCondLst>
+                        <p:cond delay="indefinite"/>
+                      </p:stCondLst>
+                      <p:childTnLst>
+                        <p:par>
+                          <p:cTn id="14" fill="hold">
+                            <p:stCondLst>
+                              <p:cond delay="0"/>
+                            </p:stCondLst>
+                            <p:childTnLst>
+                              <p:par>
+                                <p:cTn id="15" presetID="10" presetClass="entr" presetSubtype="0" fill="hold" nodeType="clickEffect">
+                                  <p:stCondLst>
+                                    <p:cond delay="0"/>
+                                  </p:stCondLst>
+                                  <p:childTnLst>
+                                    <p:set>
+                                      <p:cBhvr>
+                                        <p:cTn id="16" dur="1" fill="hold">
+                                          <p:stCondLst>
+                                            <p:cond delay="0"/>
+                                          </p:stCondLst>
+                                        </p:cTn>
+                                        <p:tgtEl>
+                                          <p:spTgt spid="10">
+                                            <p:txEl>
+                                              <p:pRg st="2" end="2"/>
+                                            </p:txEl>
+                                          </p:spTgt>
+                                        </p:tgtEl>
+                                        <p:attrNameLst>
+                                          <p:attrName>style.visibility</p:attrName>
+                                        </p:attrNameLst>
+                                      </p:cBhvr>
+                                      <p:to>
+                                        <p:strVal val="visible"/>
+                                      </p:to>
+                                    </p:set>
+                                    <p:animEffect transition="in" filter="fade">
+                                      <p:cBhvr>
+                                        <p:cTn id="17" dur="500"/>
+                                        <p:tgtEl>
+                                          <p:spTgt spid="10">
+                                            <p:txEl>
+                                              <p:pRg st="2" end="2"/>
+                                            </p:txEl>
+                                          </p:spTgt>
+                                        </p:tgtEl>
+                                      </p:cBhvr>
+                                    </p:animEffect>
+                                  </p:childTnLst>
+                                </p:cTn>
+                              </p:par>
+                            </p:childTnLst>
+                          </p:cTn>
+                        </p:par>
+                      </p:childTnLst>
+                    </p:cTn>
+                  </p:par>
+                  <p:par>
+                    <p:cTn id="18" fill="hold">
+                      <p:stCondLst>
+                        <p:cond delay="indefinite"/>
+                      </p:stCondLst>
+                      <p:childTnLst>
+                        <p:par>
+                          <p:cTn id="19" fill="hold">
+                            <p:stCondLst>
+                              <p:cond delay="0"/>
+                            </p:stCondLst>
+                            <p:childTnLst>
+                              <p:par>
+                                <p:cTn id="20" presetID="10" presetClass="entr" presetSubtype="0" fill="hold" grpId="0" nodeType="clickEffect">
+                                  <p:stCondLst>
+                                    <p:cond delay="0"/>
+                                  </p:stCondLst>
+                                  <p:childTnLst>
+                                    <p:set>
+                                      <p:cBhvr>
+                                        <p:cTn id="21" dur="1" fill="hold">
+                                          <p:stCondLst>
+                                            <p:cond delay="0"/>
+                                          </p:stCondLst>
+                                        </p:cTn>
+                                        <p:tgtEl>
+                                          <p:spTgt spid="9"/>
+                                        </p:tgtEl>
+                                        <p:attrNameLst>
+                                          <p:attrName>style.visibility</p:attrName>
+                                        </p:attrNameLst>
+                                      </p:cBhvr>
+                                      <p:to>
+                                        <p:strVal val="visible"/>
+                                      </p:to>
+                                    </p:set>
+                                    <p:animEffect transition="in" filter="fade">
+                                      <p:cBhvr>
+                                        <p:cTn id="22" dur="500"/>
+                                        <p:tgtEl>
+                                          <p:spTgt spid="9"/>
+                                        </p:tgtEl>
+                                      </p:cBhvr>
+                                    </p:animEffect>
+                                  </p:childTnLst>
+                                </p:cTn>
+                              </p:par>
+                            </p:childTnLst>
+                          </p:cTn>
+                        </p:par>
+                      </p:childTnLst>
+                    </p:cTn>
+                  </p:par>
+                  <p:par>
+                    <p:cTn id="23" fill="hold">
+                      <p:stCondLst>
+                        <p:cond delay="indefinite"/>
+                      </p:stCondLst>
+                      <p:childTnLst>
+                        <p:par>
+                          <p:cTn id="24" fill="hold">
+                            <p:stCondLst>
+                              <p:cond delay="0"/>
+                            </p:stCondLst>
+                            <p:childTnLst>
+                              <p:par>
+                                <p:cTn id="25" presetID="10" presetClass="entr" presetSubtype="0" fill="hold" nodeType="clickEffect">
+                                  <p:stCondLst>
+                                    <p:cond delay="0"/>
+                                  </p:stCondLst>
+                                  <p:childTnLst>
+                                    <p:set>
+                                      <p:cBhvr>
+                                        <p:cTn id="26" dur="1" fill="hold">
+                                          <p:stCondLst>
+                                            <p:cond delay="0"/>
+                                          </p:stCondLst>
+                                        </p:cTn>
+                                        <p:tgtEl>
+                                          <p:spTgt spid="5">
+                                            <p:txEl>
+                                              <p:pRg st="0" end="0"/>
+                                            </p:txEl>
+                                          </p:spTgt>
+                                        </p:tgtEl>
+                                        <p:attrNameLst>
+                                          <p:attrName>style.visibility</p:attrName>
+                                        </p:attrNameLst>
+                                      </p:cBhvr>
+                                      <p:to>
+                                        <p:strVal val="visible"/>
+                                      </p:to>
+                                    </p:set>
+                                    <p:animEffect transition="in" filter="fade">
+                                      <p:cBhvr>
+                                        <p:cTn id="27" dur="500"/>
+                                        <p:tgtEl>
+                                          <p:spTgt spid="5">
+                                            <p:txEl>
+                                              <p:pRg st="0" end="0"/>
+                                            </p:txEl>
+                                          </p:spTgt>
+                                        </p:tgtEl>
+                                      </p:cBhvr>
+                                    </p:animEffect>
+                                  </p:childTnLst>
+                                </p:cTn>
+                              </p:par>
+                            </p:childTnLst>
+                          </p:cTn>
+                        </p:par>
+                      </p:childTnLst>
+                    </p:cTn>
+                  </p:par>
+                  <p:par>
+                    <p:cTn id="28" fill="hold">
+                      <p:stCondLst>
+                        <p:cond delay="indefinite"/>
+                      </p:stCondLst>
+                      <p:childTnLst>
+                        <p:par>
+                          <p:cTn id="29" fill="hold">
+                            <p:stCondLst>
+                              <p:cond delay="0"/>
+                            </p:stCondLst>
+                            <p:childTnLst>
+                              <p:par>
+                                <p:cTn id="30" presetID="10" presetClass="entr" presetSubtype="0" fill="hold" nodeType="clickEffect">
+                                  <p:stCondLst>
+                                    <p:cond delay="0"/>
+                                  </p:stCondLst>
+                                  <p:childTnLst>
+                                    <p:set>
+                                      <p:cBhvr>
+                                        <p:cTn id="31" dur="1" fill="hold">
+                                          <p:stCondLst>
+                                            <p:cond delay="0"/>
+                                          </p:stCondLst>
+                                        </p:cTn>
+                                        <p:tgtEl>
+                                          <p:spTgt spid="5">
+                                            <p:txEl>
+                                              <p:pRg st="1" end="1"/>
+                                            </p:txEl>
+                                          </p:spTgt>
+                                        </p:tgtEl>
+                                        <p:attrNameLst>
+                                          <p:attrName>style.visibility</p:attrName>
+                                        </p:attrNameLst>
+                                      </p:cBhvr>
+                                      <p:to>
+                                        <p:strVal val="visible"/>
+                                      </p:to>
+                                    </p:set>
+                                    <p:animEffect transition="in" filter="fade">
+                                      <p:cBhvr>
+                                        <p:cTn id="32" dur="500"/>
+                                        <p:tgtEl>
+                                          <p:spTgt spid="5">
+                                            <p:txEl>
+                                              <p:pRg st="1" end="1"/>
+                                            </p:txEl>
+                                          </p:spTgt>
+                                        </p:tgtEl>
+                                      </p:cBhvr>
+                                    </p:animEffect>
+                                  </p:childTnLst>
+                                </p:cTn>
+                              </p:par>
+                            </p:childTnLst>
+                          </p:cTn>
+                        </p:par>
+                      </p:childTnLst>
+                    </p:cTn>
+                  </p:par>
+                </p:childTnLst>
+              </p:cTn>
+              <p:prevCondLst>
+                <p:cond evt="onPrev" delay="0">
+                  <p:tgtEl>
+                    <p:sldTgt/>
+                  </p:tgtEl>
+                </p:cond>
+              </p:prevCondLst>
+              <p:nextCondLst>
+                <p:cond evt="onNext" delay="0">
+                  <p:tgtEl>
+                    <p:sldTgt/>
+                  </p:tgtEl>
+                </p:cond>
+              </p:nextCondLst>
+            </p:seq>
+          </p:childTnLst>
+        </p:cTn>
+      </p:par>
+    </p:tnLst>
+    <p:bldLst>
+      <p:bldP spid="9" grpId="0"/>
+    </p:bldLst>
+  </p:timing>
+</p:sld>
+</file>
+
+<file path=ppt/slides/slide11.xml><?xml version="1.0" encoding="utf-8"?>
+<p:sld xmlns:a="http://schemas.openxmlformats.org/drawingml/2006/main" xmlns:r="http://schemas.openxmlformats.org/officeDocument/2006/relationships" xmlns:p="http://schemas.openxmlformats.org/presentationml/2006/main">
+  <p:cSld>
+    <p:spTree>
+      <p:nvGrpSpPr>
+        <p:cNvPr id="1" name=""/>
+        <p:cNvGrpSpPr/>
+        <p:nvPr/>
+      </p:nvGrpSpPr>
+      <p:grpSpPr>
+        <a:xfrm>
+          <a:off x="0" y="0"/>
+          <a:ext cx="0" cy="0"/>
+          <a:chOff x="0" y="0"/>
+          <a:chExt cx="0" cy="0"/>
+        </a:xfrm>
+      </p:grpSpPr>
+      <p:sp>
+        <p:nvSpPr>
           <p:cNvPr id="2" name="Title 1"/>
           <p:cNvSpPr>
             <a:spLocks noGrp="1"/>
@@ -6278,7 +7248,7 @@
           <a:lstStyle/>
           <a:p>
             <a:r>
-              <a:rPr lang="en-GB" smtClean="0">
+              <a:rPr lang="en-GB" dirty="0" smtClean="0">
                 <a:latin typeface="Calibri" panose="020F0502020204030204" pitchFamily="34" charset="0"/>
               </a:rPr>
               <a:t>Questions?</a:t>
@@ -6400,7 +7370,7 @@
         </p:nvSpPr>
         <p:spPr>
           <a:xfrm>
-            <a:off x="1381235" y="2156326"/>
+            <a:off x="1646327" y="2329541"/>
             <a:ext cx="4818518" cy="1677407"/>
           </a:xfrm>
         </p:spPr>
@@ -6546,6 +7516,36 @@
           </a:prstGeom>
         </p:spPr>
       </p:pic>
+      <p:pic>
+        <p:nvPicPr>
+          <p:cNvPr id="7" name="Picture 6"/>
+          <p:cNvPicPr>
+            <a:picLocks noChangeAspect="1"/>
+          </p:cNvPicPr>
+          <p:nvPr/>
+        </p:nvPicPr>
+        <p:blipFill>
+          <a:blip r:embed="rId4" cstate="print">
+            <a:extLst>
+              <a:ext uri="{28A0092B-C50C-407E-A947-70E740481C1C}">
+                <a14:useLocalDpi xmlns:a14="http://schemas.microsoft.com/office/drawing/2010/main" val="0"/>
+              </a:ext>
+            </a:extLst>
+          </a:blip>
+          <a:stretch>
+            <a:fillRect/>
+          </a:stretch>
+        </p:blipFill>
+        <p:spPr>
+          <a:xfrm>
+            <a:off x="1964100" y="3857467"/>
+            <a:ext cx="3363678" cy="1902080"/>
+          </a:xfrm>
+          <a:prstGeom prst="rect">
+            <a:avLst/>
+          </a:prstGeom>
+        </p:spPr>
+      </p:pic>
     </p:spTree>
     <p:extLst>
       <p:ext uri="{BB962C8B-B14F-4D97-AF65-F5344CB8AC3E}">
@@ -6577,7 +7577,7 @@
                             </p:stCondLst>
                             <p:childTnLst>
                               <p:par>
-                                <p:cTn id="5" presetID="10" presetClass="entr" presetSubtype="0" fill="hold" grpId="0" nodeType="clickEffect">
+                                <p:cTn id="5" presetID="10" presetClass="entr" presetSubtype="0" fill="hold" nodeType="clickEffect">
                                   <p:stCondLst>
                                     <p:cond delay="0"/>
                                   </p:stCondLst>
@@ -6585,6 +7585,41 @@
                                     <p:set>
                                       <p:cBhvr>
                                         <p:cTn id="6" dur="1" fill="hold">
+                                          <p:stCondLst>
+                                            <p:cond delay="0"/>
+                                          </p:stCondLst>
+                                        </p:cTn>
+                                        <p:tgtEl>
+                                          <p:spTgt spid="7"/>
+                                        </p:tgtEl>
+                                        <p:attrNameLst>
+                                          <p:attrName>style.visibility</p:attrName>
+                                        </p:attrNameLst>
+                                      </p:cBhvr>
+                                      <p:to>
+                                        <p:strVal val="visible"/>
+                                      </p:to>
+                                    </p:set>
+                                    <p:animEffect transition="in" filter="fade">
+                                      <p:cBhvr>
+                                        <p:cTn id="7" dur="500"/>
+                                        <p:tgtEl>
+                                          <p:spTgt spid="7"/>
+                                        </p:tgtEl>
+                                      </p:cBhvr>
+                                    </p:animEffect>
+                                  </p:childTnLst>
+                                </p:cTn>
+                              </p:par>
+                              <p:par>
+                                <p:cTn id="8" presetID="10" presetClass="entr" presetSubtype="0" fill="hold" grpId="0" nodeType="withEffect">
+                                  <p:stCondLst>
+                                    <p:cond delay="0"/>
+                                  </p:stCondLst>
+                                  <p:childTnLst>
+                                    <p:set>
+                                      <p:cBhvr>
+                                        <p:cTn id="9" dur="1" fill="hold">
                                           <p:stCondLst>
                                             <p:cond delay="0"/>
                                           </p:stCondLst>
@@ -6606,9 +7641,389 @@
                                     </p:set>
                                     <p:animEffect transition="in" filter="fade">
                                       <p:cBhvr>
+                                        <p:cTn id="10" dur="500"/>
+                                        <p:tgtEl>
+                                          <p:spTgt spid="3">
+                                            <p:txEl>
+                                              <p:pRg st="0" end="0"/>
+                                            </p:txEl>
+                                          </p:spTgt>
+                                        </p:tgtEl>
+                                      </p:cBhvr>
+                                    </p:animEffect>
+                                  </p:childTnLst>
+                                </p:cTn>
+                              </p:par>
+                            </p:childTnLst>
+                          </p:cTn>
+                        </p:par>
+                      </p:childTnLst>
+                    </p:cTn>
+                  </p:par>
+                  <p:par>
+                    <p:cTn id="11" fill="hold">
+                      <p:stCondLst>
+                        <p:cond delay="indefinite"/>
+                      </p:stCondLst>
+                      <p:childTnLst>
+                        <p:par>
+                          <p:cTn id="12" fill="hold">
+                            <p:stCondLst>
+                              <p:cond delay="0"/>
+                            </p:stCondLst>
+                            <p:childTnLst>
+                              <p:par>
+                                <p:cTn id="13" presetID="10" presetClass="entr" presetSubtype="0" fill="hold" nodeType="clickEffect">
+                                  <p:stCondLst>
+                                    <p:cond delay="0"/>
+                                  </p:stCondLst>
+                                  <p:childTnLst>
+                                    <p:set>
+                                      <p:cBhvr>
+                                        <p:cTn id="14" dur="1" fill="hold">
+                                          <p:stCondLst>
+                                            <p:cond delay="0"/>
+                                          </p:stCondLst>
+                                        </p:cTn>
+                                        <p:tgtEl>
+                                          <p:spTgt spid="6"/>
+                                        </p:tgtEl>
+                                        <p:attrNameLst>
+                                          <p:attrName>style.visibility</p:attrName>
+                                        </p:attrNameLst>
+                                      </p:cBhvr>
+                                      <p:to>
+                                        <p:strVal val="visible"/>
+                                      </p:to>
+                                    </p:set>
+                                    <p:animEffect transition="in" filter="fade">
+                                      <p:cBhvr>
+                                        <p:cTn id="15" dur="500"/>
+                                        <p:tgtEl>
+                                          <p:spTgt spid="6"/>
+                                        </p:tgtEl>
+                                      </p:cBhvr>
+                                    </p:animEffect>
+                                  </p:childTnLst>
+                                </p:cTn>
+                              </p:par>
+                              <p:par>
+                                <p:cTn id="16" presetID="10" presetClass="entr" presetSubtype="0" fill="hold" grpId="0" nodeType="withEffect">
+                                  <p:stCondLst>
+                                    <p:cond delay="0"/>
+                                  </p:stCondLst>
+                                  <p:childTnLst>
+                                    <p:set>
+                                      <p:cBhvr>
+                                        <p:cTn id="17" dur="1" fill="hold">
+                                          <p:stCondLst>
+                                            <p:cond delay="0"/>
+                                          </p:stCondLst>
+                                        </p:cTn>
+                                        <p:tgtEl>
+                                          <p:spTgt spid="4"/>
+                                        </p:tgtEl>
+                                        <p:attrNameLst>
+                                          <p:attrName>style.visibility</p:attrName>
+                                        </p:attrNameLst>
+                                      </p:cBhvr>
+                                      <p:to>
+                                        <p:strVal val="visible"/>
+                                      </p:to>
+                                    </p:set>
+                                    <p:animEffect transition="in" filter="fade">
+                                      <p:cBhvr>
+                                        <p:cTn id="18" dur="500"/>
+                                        <p:tgtEl>
+                                          <p:spTgt spid="4"/>
+                                        </p:tgtEl>
+                                      </p:cBhvr>
+                                    </p:animEffect>
+                                  </p:childTnLst>
+                                </p:cTn>
+                              </p:par>
+                            </p:childTnLst>
+                          </p:cTn>
+                        </p:par>
+                      </p:childTnLst>
+                    </p:cTn>
+                  </p:par>
+                </p:childTnLst>
+              </p:cTn>
+              <p:prevCondLst>
+                <p:cond evt="onPrev" delay="0">
+                  <p:tgtEl>
+                    <p:sldTgt/>
+                  </p:tgtEl>
+                </p:cond>
+              </p:prevCondLst>
+              <p:nextCondLst>
+                <p:cond evt="onNext" delay="0">
+                  <p:tgtEl>
+                    <p:sldTgt/>
+                  </p:tgtEl>
+                </p:cond>
+              </p:nextCondLst>
+            </p:seq>
+          </p:childTnLst>
+        </p:cTn>
+      </p:par>
+    </p:tnLst>
+    <p:bldLst>
+      <p:bldP spid="3" grpId="0" build="p"/>
+      <p:bldP spid="4" grpId="0"/>
+    </p:bldLst>
+  </p:timing>
+</p:sld>
+</file>
+
+<file path=ppt/slides/slide3.xml><?xml version="1.0" encoding="utf-8"?>
+<p:sld xmlns:a="http://schemas.openxmlformats.org/drawingml/2006/main" xmlns:r="http://schemas.openxmlformats.org/officeDocument/2006/relationships" xmlns:p="http://schemas.openxmlformats.org/presentationml/2006/main">
+  <p:cSld>
+    <p:spTree>
+      <p:nvGrpSpPr>
+        <p:cNvPr id="1" name=""/>
+        <p:cNvGrpSpPr/>
+        <p:nvPr/>
+      </p:nvGrpSpPr>
+      <p:grpSpPr>
+        <a:xfrm>
+          <a:off x="0" y="0"/>
+          <a:ext cx="0" cy="0"/>
+          <a:chOff x="0" y="0"/>
+          <a:chExt cx="0" cy="0"/>
+        </a:xfrm>
+      </p:grpSpPr>
+      <p:sp>
+        <p:nvSpPr>
+          <p:cNvPr id="4" name="Title 1"/>
+          <p:cNvSpPr>
+            <a:spLocks noGrp="1"/>
+          </p:cNvSpPr>
+          <p:nvPr>
+            <p:ph type="title"/>
+          </p:nvPr>
+        </p:nvSpPr>
+        <p:spPr>
+          <a:xfrm>
+            <a:off x="1114197" y="0"/>
+            <a:ext cx="10018713" cy="1752599"/>
+          </a:xfrm>
+        </p:spPr>
+        <p:txBody>
+          <a:bodyPr/>
+          <a:lstStyle/>
+          <a:p>
+            <a:r>
+              <a:rPr lang="en-GB" b="1" dirty="0" smtClean="0">
+                <a:latin typeface="Calibri" panose="020F0502020204030204" pitchFamily="34" charset="0"/>
+              </a:rPr>
+              <a:t>Development</a:t>
+            </a:r>
+            <a:endParaRPr lang="en-GB" b="1" dirty="0">
+              <a:latin typeface="Calibri" panose="020F0502020204030204" pitchFamily="34" charset="0"/>
+            </a:endParaRPr>
+          </a:p>
+        </p:txBody>
+      </p:sp>
+      <p:sp>
+        <p:nvSpPr>
+          <p:cNvPr id="5" name="TextBox 4"/>
+          <p:cNvSpPr txBox="1"/>
+          <p:nvPr/>
+        </p:nvSpPr>
+        <p:spPr>
+          <a:xfrm>
+            <a:off x="2615437" y="4348425"/>
+            <a:ext cx="1268296" cy="400110"/>
+          </a:xfrm>
+          <a:prstGeom prst="rect">
+            <a:avLst/>
+          </a:prstGeom>
+          <a:noFill/>
+        </p:spPr>
+        <p:txBody>
+          <a:bodyPr wrap="none" rtlCol="0">
+            <a:spAutoFit/>
+          </a:bodyPr>
+          <a:lstStyle/>
+          <a:p>
+            <a:pPr marL="342900" indent="-342900">
+              <a:buFont typeface="Wingdings" panose="05000000000000000000" pitchFamily="2" charset="2"/>
+              <a:buChar char="Ø"/>
+            </a:pPr>
+            <a:r>
+              <a:rPr lang="en-GB" sz="2000" dirty="0" err="1" smtClean="0">
+                <a:latin typeface="Calibri" panose="020F0502020204030204" pitchFamily="34" charset="0"/>
+              </a:rPr>
+              <a:t>GitHub</a:t>
+            </a:r>
+            <a:endParaRPr lang="en-GB" sz="2000" dirty="0">
+              <a:latin typeface="Calibri" panose="020F0502020204030204" pitchFamily="34" charset="0"/>
+            </a:endParaRPr>
+          </a:p>
+        </p:txBody>
+      </p:sp>
+      <p:pic>
+        <p:nvPicPr>
+          <p:cNvPr id="6" name="Picture 5"/>
+          <p:cNvPicPr>
+            <a:picLocks noChangeAspect="1"/>
+          </p:cNvPicPr>
+          <p:nvPr/>
+        </p:nvPicPr>
+        <p:blipFill rotWithShape="1">
+          <a:blip r:embed="rId2">
+            <a:extLst>
+              <a:ext uri="{28A0092B-C50C-407E-A947-70E740481C1C}">
+                <a14:useLocalDpi xmlns:a14="http://schemas.microsoft.com/office/drawing/2010/main" val="0"/>
+              </a:ext>
+            </a:extLst>
+          </a:blip>
+          <a:srcRect l="15032" t="9914" r="14170" b="45689"/>
+          <a:stretch/>
+        </p:blipFill>
+        <p:spPr>
+          <a:xfrm>
+            <a:off x="4925855" y="2676716"/>
+            <a:ext cx="5956073" cy="2100944"/>
+          </a:xfrm>
+          <a:prstGeom prst="rect">
+            <a:avLst/>
+          </a:prstGeom>
+        </p:spPr>
+      </p:pic>
+      <p:sp>
+        <p:nvSpPr>
+          <p:cNvPr id="7" name="TextBox 6"/>
+          <p:cNvSpPr txBox="1"/>
+          <p:nvPr/>
+        </p:nvSpPr>
+        <p:spPr>
+          <a:xfrm>
+            <a:off x="2615437" y="2476661"/>
+            <a:ext cx="1402948" cy="400110"/>
+          </a:xfrm>
+          <a:prstGeom prst="rect">
+            <a:avLst/>
+          </a:prstGeom>
+          <a:noFill/>
+        </p:spPr>
+        <p:txBody>
+          <a:bodyPr wrap="none" rtlCol="0">
+            <a:spAutoFit/>
+          </a:bodyPr>
+          <a:lstStyle/>
+          <a:p>
+            <a:pPr marL="285750" indent="-285750">
+              <a:buFont typeface="Wingdings" panose="05000000000000000000" pitchFamily="2" charset="2"/>
+              <a:buChar char="Ø"/>
+            </a:pPr>
+            <a:r>
+              <a:rPr lang="en-GB" sz="2000" dirty="0" smtClean="0"/>
+              <a:t>Planning</a:t>
+            </a:r>
+            <a:endParaRPr lang="en-GB" sz="2000" dirty="0"/>
+          </a:p>
+        </p:txBody>
+      </p:sp>
+      <p:sp>
+        <p:nvSpPr>
+          <p:cNvPr id="8" name="TextBox 7"/>
+          <p:cNvSpPr txBox="1"/>
+          <p:nvPr/>
+        </p:nvSpPr>
+        <p:spPr>
+          <a:xfrm>
+            <a:off x="2590875" y="3412543"/>
+            <a:ext cx="1252009" cy="400110"/>
+          </a:xfrm>
+          <a:prstGeom prst="rect">
+            <a:avLst/>
+          </a:prstGeom>
+          <a:noFill/>
+        </p:spPr>
+        <p:txBody>
+          <a:bodyPr wrap="none" rtlCol="0">
+            <a:spAutoFit/>
+          </a:bodyPr>
+          <a:lstStyle/>
+          <a:p>
+            <a:pPr marL="285750" indent="-285750">
+              <a:buFont typeface="Wingdings" panose="05000000000000000000" pitchFamily="2" charset="2"/>
+              <a:buChar char="Ø"/>
+            </a:pPr>
+            <a:r>
+              <a:rPr lang="en-GB" sz="2000" dirty="0" smtClean="0"/>
+              <a:t>Testing</a:t>
+            </a:r>
+            <a:endParaRPr lang="en-GB" sz="2000" dirty="0"/>
+          </a:p>
+        </p:txBody>
+      </p:sp>
+    </p:spTree>
+    <p:extLst>
+      <p:ext uri="{BB962C8B-B14F-4D97-AF65-F5344CB8AC3E}">
+        <p14:creationId xmlns:p14="http://schemas.microsoft.com/office/powerpoint/2010/main" val="314947674"/>
+      </p:ext>
+    </p:extLst>
+  </p:cSld>
+  <p:clrMapOvr>
+    <a:masterClrMapping/>
+  </p:clrMapOvr>
+  <p:timing>
+    <p:tnLst>
+      <p:par>
+        <p:cTn id="1" dur="indefinite" restart="never" nodeType="tmRoot">
+          <p:childTnLst>
+            <p:seq concurrent="1" nextAc="seek">
+              <p:cTn id="2" dur="indefinite" nodeType="mainSeq">
+                <p:childTnLst>
+                  <p:par>
+                    <p:cTn id="3" fill="hold">
+                      <p:stCondLst>
+                        <p:cond delay="indefinite"/>
+                      </p:stCondLst>
+                      <p:childTnLst>
+                        <p:par>
+                          <p:cTn id="4" fill="hold">
+                            <p:stCondLst>
+                              <p:cond delay="0"/>
+                            </p:stCondLst>
+                            <p:childTnLst>
+                              <p:par>
+                                <p:cTn id="5" presetID="10" presetClass="entr" presetSubtype="0" fill="hold" nodeType="clickEffect">
+                                  <p:stCondLst>
+                                    <p:cond delay="0"/>
+                                  </p:stCondLst>
+                                  <p:childTnLst>
+                                    <p:set>
+                                      <p:cBhvr>
+                                        <p:cTn id="6" dur="1" fill="hold">
+                                          <p:stCondLst>
+                                            <p:cond delay="0"/>
+                                          </p:stCondLst>
+                                        </p:cTn>
+                                        <p:tgtEl>
+                                          <p:spTgt spid="7">
+                                            <p:txEl>
+                                              <p:pRg st="0" end="0"/>
+                                            </p:txEl>
+                                          </p:spTgt>
+                                        </p:tgtEl>
+                                        <p:attrNameLst>
+                                          <p:attrName>style.visibility</p:attrName>
+                                        </p:attrNameLst>
+                                      </p:cBhvr>
+                                      <p:to>
+                                        <p:strVal val="visible"/>
+                                      </p:to>
+                                    </p:set>
+                                    <p:animEffect transition="in" filter="fade">
+                                      <p:cBhvr>
                                         <p:cTn id="7" dur="500"/>
                                         <p:tgtEl>
-                                          <p:spTgt spid="3">
+                                          <p:spTgt spid="7">
                                             <p:txEl>
                                               <p:pRg st="0" end="0"/>
                                             </p:txEl>
@@ -6651,7 +8066,7 @@
                                           </p:stCondLst>
                                         </p:cTn>
                                         <p:tgtEl>
-                                          <p:spTgt spid="4"/>
+                                          <p:spTgt spid="8"/>
                                         </p:tgtEl>
                                         <p:attrNameLst>
                                           <p:attrName>style.visibility</p:attrName>
@@ -6665,7 +8080,60 @@
                                       <p:cBhvr>
                                         <p:cTn id="12" dur="500"/>
                                         <p:tgtEl>
-                                          <p:spTgt spid="4"/>
+                                          <p:spTgt spid="8"/>
+                                        </p:tgtEl>
+                                      </p:cBhvr>
+                                    </p:animEffect>
+                                  </p:childTnLst>
+                                </p:cTn>
+                              </p:par>
+                            </p:childTnLst>
+                          </p:cTn>
+                        </p:par>
+                      </p:childTnLst>
+                    </p:cTn>
+                  </p:par>
+                  <p:par>
+                    <p:cTn id="13" fill="hold">
+                      <p:stCondLst>
+                        <p:cond delay="indefinite"/>
+                      </p:stCondLst>
+                      <p:childTnLst>
+                        <p:par>
+                          <p:cTn id="14" fill="hold">
+                            <p:stCondLst>
+                              <p:cond delay="0"/>
+                            </p:stCondLst>
+                            <p:childTnLst>
+                              <p:par>
+                                <p:cTn id="15" presetID="10" presetClass="entr" presetSubtype="0" fill="hold" grpId="0" nodeType="clickEffect">
+                                  <p:stCondLst>
+                                    <p:cond delay="0"/>
+                                  </p:stCondLst>
+                                  <p:childTnLst>
+                                    <p:set>
+                                      <p:cBhvr>
+                                        <p:cTn id="16" dur="1" fill="hold">
+                                          <p:stCondLst>
+                                            <p:cond delay="0"/>
+                                          </p:stCondLst>
+                                        </p:cTn>
+                                        <p:tgtEl>
+                                          <p:spTgt spid="5"/>
+                                        </p:tgtEl>
+                                        <p:attrNameLst>
+                                          <p:attrName>style.visibility</p:attrName>
+                                        </p:attrNameLst>
+                                      </p:cBhvr>
+                                      <p:to>
+                                        <p:strVal val="visible"/>
+                                      </p:to>
+                                    </p:set>
+                                    <p:animEffect transition="in" filter="fade">
+                                      <p:cBhvr>
+                                        <p:cTn id="17" dur="500"/>
+                                        <p:tgtEl>
+                                          <p:spTgt spid="5"/>
                                         </p:tgtEl>
                                       </p:cBhvr>
                                     </p:animEffect>
@@ -6673,14 +8141,14 @@
                                 </p:cTn>
                               </p:par>
                               <p:par>
-                                <p:cTn id="13" presetID="10" presetClass="entr" presetSubtype="0" fill="hold" nodeType="withEffect">
+                                <p:cTn id="18" presetID="10" presetClass="entr" presetSubtype="0" fill="hold" nodeType="withEffect">
                                   <p:stCondLst>
                                     <p:cond delay="0"/>
                                   </p:stCondLst>
                                   <p:childTnLst>
                                     <p:set>
                                       <p:cBhvr>
-                                        <p:cTn id="14" dur="1" fill="hold">
+                                        <p:cTn id="19" dur="1" fill="hold">
                                           <p:stCondLst>
                                             <p:cond delay="0"/>
                                           </p:stCondLst>
@@ -6698,7 +8166,7 @@
                                     </p:set>
                                     <p:animEffect transition="in" filter="fade">
                                       <p:cBhvr>
-                                        <p:cTn id="15" dur="500"/>
+                                        <p:cTn id="20" dur="500"/>
                                         <p:tgtEl>
                                           <p:spTgt spid="6"/>
                                         </p:tgtEl>
@@ -6735,14 +8203,14 @@
       </p:par>
     </p:tnLst>
     <p:bldLst>
-      <p:bldP spid="3" grpId="0" build="p"/>
-      <p:bldP spid="4" grpId="0"/>
+      <p:bldP spid="5" grpId="0"/>
+      <p:bldP spid="8" grpId="0"/>
     </p:bldLst>
   </p:timing>
 </p:sld>
 </file>
 
-<file path=ppt/slides/slide3.xml><?xml version="1.0" encoding="utf-8"?>
+<file path=ppt/slides/slide4.xml><?xml version="1.0" encoding="utf-8"?>
 <p:sld xmlns:a="http://schemas.openxmlformats.org/drawingml/2006/main" xmlns:r="http://schemas.openxmlformats.org/officeDocument/2006/relationships" xmlns:p="http://schemas.openxmlformats.org/presentationml/2006/main">
   <p:cSld>
     <p:spTree>
@@ -7782,7 +9250,7 @@
 </p:sld>
 </file>
 
-<file path=ppt/slides/slide4.xml><?xml version="1.0" encoding="utf-8"?>
+<file path=ppt/slides/slide5.xml><?xml version="1.0" encoding="utf-8"?>
 <p:sld xmlns:a="http://schemas.openxmlformats.org/drawingml/2006/main" xmlns:r="http://schemas.openxmlformats.org/officeDocument/2006/relationships" xmlns:p="http://schemas.openxmlformats.org/presentationml/2006/main">
   <p:cSld>
     <p:spTree>
@@ -8573,7 +10041,7 @@
 </p:sld>
 </file>
 
-<file path=ppt/slides/slide5.xml><?xml version="1.0" encoding="utf-8"?>
+<file path=ppt/slides/slide6.xml><?xml version="1.0" encoding="utf-8"?>
 <p:sld xmlns:a="http://schemas.openxmlformats.org/drawingml/2006/main" xmlns:r="http://schemas.openxmlformats.org/officeDocument/2006/relationships" xmlns:p="http://schemas.openxmlformats.org/presentationml/2006/main">
   <p:cSld>
     <p:spTree>
@@ -8672,7 +10140,7 @@
 </p:sld>
 </file>
 
-<file path=ppt/slides/slide6.xml><?xml version="1.0" encoding="utf-8"?>
+<file path=ppt/slides/slide7.xml><?xml version="1.0" encoding="utf-8"?>
 <p:sld xmlns:a="http://schemas.openxmlformats.org/drawingml/2006/main" xmlns:r="http://schemas.openxmlformats.org/officeDocument/2006/relationships" xmlns:p="http://schemas.openxmlformats.org/presentationml/2006/main">
   <p:cSld>
     <p:spTree>
@@ -9620,7 +11088,185 @@
 </p:sld>
 </file>
 
-<file path=ppt/slides/slide7.xml><?xml version="1.0" encoding="utf-8"?>
+<file path=ppt/slides/slide8.xml><?xml version="1.0" encoding="utf-8"?>
+<p:sld xmlns:a="http://schemas.openxmlformats.org/drawingml/2006/main" xmlns:r="http://schemas.openxmlformats.org/officeDocument/2006/relationships" xmlns:p="http://schemas.openxmlformats.org/presentationml/2006/main">
+  <p:cSld>
+    <p:spTree>
+      <p:nvGrpSpPr>
+        <p:cNvPr id="1" name=""/>
+        <p:cNvGrpSpPr/>
+        <p:nvPr/>
+      </p:nvGrpSpPr>
+      <p:grpSpPr>
+        <a:xfrm>
+          <a:off x="0" y="0"/>
+          <a:ext cx="0" cy="0"/>
+          <a:chOff x="0" y="0"/>
+          <a:chExt cx="0" cy="0"/>
+        </a:xfrm>
+      </p:grpSpPr>
+      <p:pic>
+        <p:nvPicPr>
+          <p:cNvPr id="4" name="Picture 3"/>
+          <p:cNvPicPr>
+            <a:picLocks noChangeAspect="1"/>
+          </p:cNvPicPr>
+          <p:nvPr/>
+        </p:nvPicPr>
+        <p:blipFill>
+          <a:blip r:embed="rId2">
+            <a:extLst>
+              <a:ext uri="{28A0092B-C50C-407E-A947-70E740481C1C}">
+                <a14:useLocalDpi xmlns:a14="http://schemas.microsoft.com/office/drawing/2010/main" val="0"/>
+              </a:ext>
+            </a:extLst>
+          </a:blip>
+          <a:stretch>
+            <a:fillRect/>
+          </a:stretch>
+        </p:blipFill>
+        <p:spPr>
+          <a:xfrm>
+            <a:off x="9661577" y="0"/>
+            <a:ext cx="1839686" cy="1839686"/>
+          </a:xfrm>
+          <a:prstGeom prst="rect">
+            <a:avLst/>
+          </a:prstGeom>
+        </p:spPr>
+      </p:pic>
+      <p:sp>
+        <p:nvSpPr>
+          <p:cNvPr id="5" name="Title 1"/>
+          <p:cNvSpPr txBox="1">
+            <a:spLocks/>
+          </p:cNvSpPr>
+          <p:nvPr/>
+        </p:nvSpPr>
+        <p:spPr>
+          <a:xfrm>
+            <a:off x="994454" y="2471057"/>
+            <a:ext cx="10018713" cy="1752599"/>
+          </a:xfrm>
+          <a:prstGeom prst="rect">
+            <a:avLst/>
+          </a:prstGeom>
+          <a:effectLst/>
+        </p:spPr>
+        <p:txBody>
+          <a:bodyPr vert="horz" lIns="91440" tIns="45720" rIns="91440" bIns="45720" rtlCol="0" anchor="ctr">
+            <a:normAutofit/>
+          </a:bodyPr>
+          <a:lstStyle>
+            <a:lvl1pPr algn="ctr" defTabSz="457200" rtl="0" eaLnBrk="1" latinLnBrk="0" hangingPunct="1">
+              <a:spcBef>
+                <a:spcPct val="0"/>
+              </a:spcBef>
+              <a:buNone/>
+              <a:defRPr sz="4000" kern="1200" cap="none">
+                <a:ln w="3175" cmpd="sng">
+                  <a:noFill/>
+                </a:ln>
+                <a:solidFill>
+                  <a:schemeClr val="tx1"/>
+                </a:solidFill>
+                <a:effectLst/>
+                <a:latin typeface="+mj-lt"/>
+                <a:ea typeface="+mj-ea"/>
+                <a:cs typeface="+mj-cs"/>
+              </a:defRPr>
+            </a:lvl1pPr>
+            <a:lvl2pPr eaLnBrk="1" hangingPunct="1">
+              <a:defRPr>
+                <a:solidFill>
+                  <a:schemeClr val="tx2"/>
+                </a:solidFill>
+              </a:defRPr>
+            </a:lvl2pPr>
+            <a:lvl3pPr eaLnBrk="1" hangingPunct="1">
+              <a:defRPr>
+                <a:solidFill>
+                  <a:schemeClr val="tx2"/>
+                </a:solidFill>
+              </a:defRPr>
+            </a:lvl3pPr>
+            <a:lvl4pPr eaLnBrk="1" hangingPunct="1">
+              <a:defRPr>
+                <a:solidFill>
+                  <a:schemeClr val="tx2"/>
+                </a:solidFill>
+              </a:defRPr>
+            </a:lvl4pPr>
+            <a:lvl5pPr eaLnBrk="1" hangingPunct="1">
+              <a:defRPr>
+                <a:solidFill>
+                  <a:schemeClr val="tx2"/>
+                </a:solidFill>
+              </a:defRPr>
+            </a:lvl5pPr>
+            <a:lvl6pPr eaLnBrk="1" hangingPunct="1">
+              <a:defRPr>
+                <a:solidFill>
+                  <a:schemeClr val="tx2"/>
+                </a:solidFill>
+              </a:defRPr>
+            </a:lvl6pPr>
+            <a:lvl7pPr eaLnBrk="1" hangingPunct="1">
+              <a:defRPr>
+                <a:solidFill>
+                  <a:schemeClr val="tx2"/>
+                </a:solidFill>
+              </a:defRPr>
+            </a:lvl7pPr>
+            <a:lvl8pPr eaLnBrk="1" hangingPunct="1">
+              <a:defRPr>
+                <a:solidFill>
+                  <a:schemeClr val="tx2"/>
+                </a:solidFill>
+              </a:defRPr>
+            </a:lvl8pPr>
+            <a:lvl9pPr eaLnBrk="1" hangingPunct="1">
+              <a:defRPr>
+                <a:solidFill>
+                  <a:schemeClr val="tx2"/>
+                </a:solidFill>
+              </a:defRPr>
+            </a:lvl9pPr>
+          </a:lstStyle>
+          <a:p>
+            <a:r>
+              <a:rPr lang="en-GB" dirty="0" smtClean="0">
+                <a:latin typeface="Calibri" panose="020F0502020204030204" pitchFamily="34" charset="0"/>
+              </a:rPr>
+              <a:t>Game implementation demo</a:t>
+            </a:r>
+            <a:endParaRPr lang="en-GB" dirty="0">
+              <a:latin typeface="Calibri" panose="020F0502020204030204" pitchFamily="34" charset="0"/>
+            </a:endParaRPr>
+          </a:p>
+        </p:txBody>
+      </p:sp>
+    </p:spTree>
+    <p:extLst>
+      <p:ext uri="{BB962C8B-B14F-4D97-AF65-F5344CB8AC3E}">
+        <p14:creationId xmlns:p14="http://schemas.microsoft.com/office/powerpoint/2010/main" val="1535066848"/>
+      </p:ext>
+    </p:extLst>
+  </p:cSld>
+  <p:clrMapOvr>
+    <a:masterClrMapping/>
+  </p:clrMapOvr>
+  <p:timing>
+    <p:tnLst>
+      <p:par>
+        <p:cTn id="1" dur="indefinite" restart="never" nodeType="tmRoot"/>
+      </p:par>
+    </p:tnLst>
+  </p:timing>
+</p:sld>
+</file>
+
+<file path=ppt/slides/slide9.xml><?xml version="1.0" encoding="utf-8"?>
 <p:sld xmlns:a="http://schemas.openxmlformats.org/drawingml/2006/main" xmlns:r="http://schemas.openxmlformats.org/officeDocument/2006/relationships" xmlns:p="http://schemas.openxmlformats.org/presentationml/2006/main">
   <p:cSld>
     <p:spTree>
@@ -10330,1153 +11976,6 @@
 </p:sld>
 </file>
 
-<file path=ppt/slides/slide8.xml><?xml version="1.0" encoding="utf-8"?>
-<p:sld xmlns:a="http://schemas.openxmlformats.org/drawingml/2006/main" xmlns:r="http://schemas.openxmlformats.org/officeDocument/2006/relationships" xmlns:p="http://schemas.openxmlformats.org/presentationml/2006/main">
-  <p:cSld>
-    <p:spTree>
-      <p:nvGrpSpPr>
-        <p:cNvPr id="1" name=""/>
-        <p:cNvGrpSpPr/>
-        <p:nvPr/>
-      </p:nvGrpSpPr>
-      <p:grpSpPr>
-        <a:xfrm>
-          <a:off x="0" y="0"/>
-          <a:ext cx="0" cy="0"/>
-          <a:chOff x="0" y="0"/>
-          <a:chExt cx="0" cy="0"/>
-        </a:xfrm>
-      </p:grpSpPr>
-      <p:pic>
-        <p:nvPicPr>
-          <p:cNvPr id="4" name="Picture 3"/>
-          <p:cNvPicPr>
-            <a:picLocks noChangeAspect="1"/>
-          </p:cNvPicPr>
-          <p:nvPr/>
-        </p:nvPicPr>
-        <p:blipFill>
-          <a:blip r:embed="rId2">
-            <a:extLst>
-              <a:ext uri="{28A0092B-C50C-407E-A947-70E740481C1C}">
-                <a14:useLocalDpi xmlns:a14="http://schemas.microsoft.com/office/drawing/2010/main" val="0"/>
-              </a:ext>
-            </a:extLst>
-          </a:blip>
-          <a:stretch>
-            <a:fillRect/>
-          </a:stretch>
-        </p:blipFill>
-        <p:spPr>
-          <a:xfrm>
-            <a:off x="9661577" y="0"/>
-            <a:ext cx="1839686" cy="1839686"/>
-          </a:xfrm>
-          <a:prstGeom prst="rect">
-            <a:avLst/>
-          </a:prstGeom>
-        </p:spPr>
-      </p:pic>
-      <p:sp>
-        <p:nvSpPr>
-          <p:cNvPr id="5" name="Title 1"/>
-          <p:cNvSpPr txBox="1">
-            <a:spLocks/>
-          </p:cNvSpPr>
-          <p:nvPr/>
-        </p:nvSpPr>
-        <p:spPr>
-          <a:xfrm>
-            <a:off x="994454" y="2471057"/>
-            <a:ext cx="10018713" cy="1752599"/>
-          </a:xfrm>
-          <a:prstGeom prst="rect">
-            <a:avLst/>
-          </a:prstGeom>
-          <a:effectLst/>
-        </p:spPr>
-        <p:txBody>
-          <a:bodyPr vert="horz" lIns="91440" tIns="45720" rIns="91440" bIns="45720" rtlCol="0" anchor="ctr">
-            <a:normAutofit/>
-          </a:bodyPr>
-          <a:lstStyle>
-            <a:lvl1pPr algn="ctr" defTabSz="457200" rtl="0" eaLnBrk="1" latinLnBrk="0" hangingPunct="1">
-              <a:spcBef>
-                <a:spcPct val="0"/>
-              </a:spcBef>
-              <a:buNone/>
-              <a:defRPr sz="4000" kern="1200" cap="none">
-                <a:ln w="3175" cmpd="sng">
-                  <a:noFill/>
-                </a:ln>
-                <a:solidFill>
-                  <a:schemeClr val="tx1"/>
-                </a:solidFill>
-                <a:effectLst/>
-                <a:latin typeface="+mj-lt"/>
-                <a:ea typeface="+mj-ea"/>
-                <a:cs typeface="+mj-cs"/>
-              </a:defRPr>
-            </a:lvl1pPr>
-            <a:lvl2pPr eaLnBrk="1" hangingPunct="1">
-              <a:defRPr>
-                <a:solidFill>
-                  <a:schemeClr val="tx2"/>
-                </a:solidFill>
-              </a:defRPr>
-            </a:lvl2pPr>
-            <a:lvl3pPr eaLnBrk="1" hangingPunct="1">
-              <a:defRPr>
-                <a:solidFill>
-                  <a:schemeClr val="tx2"/>
-                </a:solidFill>
-              </a:defRPr>
-            </a:lvl3pPr>
-            <a:lvl4pPr eaLnBrk="1" hangingPunct="1">
-              <a:defRPr>
-                <a:solidFill>
-                  <a:schemeClr val="tx2"/>
-                </a:solidFill>
-              </a:defRPr>
-            </a:lvl4pPr>
-            <a:lvl5pPr eaLnBrk="1" hangingPunct="1">
-              <a:defRPr>
-                <a:solidFill>
-                  <a:schemeClr val="tx2"/>
-                </a:solidFill>
-              </a:defRPr>
-            </a:lvl5pPr>
-            <a:lvl6pPr eaLnBrk="1" hangingPunct="1">
-              <a:defRPr>
-                <a:solidFill>
-                  <a:schemeClr val="tx2"/>
-                </a:solidFill>
-              </a:defRPr>
-            </a:lvl6pPr>
-            <a:lvl7pPr eaLnBrk="1" hangingPunct="1">
-              <a:defRPr>
-                <a:solidFill>
-                  <a:schemeClr val="tx2"/>
-                </a:solidFill>
-              </a:defRPr>
-            </a:lvl7pPr>
-            <a:lvl8pPr eaLnBrk="1" hangingPunct="1">
-              <a:defRPr>
-                <a:solidFill>
-                  <a:schemeClr val="tx2"/>
-                </a:solidFill>
-              </a:defRPr>
-            </a:lvl8pPr>
-            <a:lvl9pPr eaLnBrk="1" hangingPunct="1">
-              <a:defRPr>
-                <a:solidFill>
-                  <a:schemeClr val="tx2"/>
-                </a:solidFill>
-              </a:defRPr>
-            </a:lvl9pPr>
-          </a:lstStyle>
-          <a:p>
-            <a:r>
-              <a:rPr lang="en-GB" dirty="0" smtClean="0">
-                <a:latin typeface="Calibri" panose="020F0502020204030204" pitchFamily="34" charset="0"/>
-              </a:rPr>
-              <a:t>Game implementation demo</a:t>
-            </a:r>
-            <a:endParaRPr lang="en-GB" dirty="0">
-              <a:latin typeface="Calibri" panose="020F0502020204030204" pitchFamily="34" charset="0"/>
-            </a:endParaRPr>
-          </a:p>
-        </p:txBody>
-      </p:sp>
-    </p:spTree>
-    <p:extLst>
-      <p:ext uri="{BB962C8B-B14F-4D97-AF65-F5344CB8AC3E}">
-        <p14:creationId xmlns:p14="http://schemas.microsoft.com/office/powerpoint/2010/main" val="1535066848"/>
-      </p:ext>
-    </p:extLst>
-  </p:cSld>
-  <p:clrMapOvr>
-    <a:masterClrMapping/>
-  </p:clrMapOvr>
-  <p:timing>
-    <p:tnLst>
-      <p:par>
-        <p:cTn id="1" dur="indefinite" restart="never" nodeType="tmRoot"/>
-      </p:par>
-    </p:tnLst>
-  </p:timing>
-</p:sld>
-</file>
-
-<file path=ppt/slides/slide9.xml><?xml version="1.0" encoding="utf-8"?>
-<p:sld xmlns:a="http://schemas.openxmlformats.org/drawingml/2006/main" xmlns:r="http://schemas.openxmlformats.org/officeDocument/2006/relationships" xmlns:p="http://schemas.openxmlformats.org/presentationml/2006/main">
-  <p:cSld>
-    <p:spTree>
-      <p:nvGrpSpPr>
-        <p:cNvPr id="1" name=""/>
-        <p:cNvGrpSpPr/>
-        <p:nvPr/>
-      </p:nvGrpSpPr>
-      <p:grpSpPr>
-        <a:xfrm>
-          <a:off x="0" y="0"/>
-          <a:ext cx="0" cy="0"/>
-          <a:chOff x="0" y="0"/>
-          <a:chExt cx="0" cy="0"/>
-        </a:xfrm>
-      </p:grpSpPr>
-      <p:sp>
-        <p:nvSpPr>
-          <p:cNvPr id="5" name="Content Placeholder 2"/>
-          <p:cNvSpPr txBox="1">
-            <a:spLocks/>
-          </p:cNvSpPr>
-          <p:nvPr/>
-        </p:nvSpPr>
-        <p:spPr>
-          <a:xfrm>
-            <a:off x="3581400" y="4659992"/>
-            <a:ext cx="4582886" cy="1295854"/>
-          </a:xfrm>
-          <a:prstGeom prst="rect">
-            <a:avLst/>
-          </a:prstGeom>
-        </p:spPr>
-        <p:txBody>
-          <a:bodyPr vert="horz" lIns="91440" tIns="45720" rIns="91440" bIns="45720" rtlCol="0">
-            <a:normAutofit/>
-          </a:bodyPr>
-          <a:lstStyle>
-            <a:lvl1pPr marL="228600" indent="-228600" algn="l" defTabSz="914400" rtl="0" eaLnBrk="1" latinLnBrk="0" hangingPunct="1">
-              <a:lnSpc>
-                <a:spcPct val="90000"/>
-              </a:lnSpc>
-              <a:spcBef>
-                <a:spcPts val="1000"/>
-              </a:spcBef>
-              <a:buFont typeface="Arial" panose="020B0604020202020204" pitchFamily="34" charset="0"/>
-              <a:buChar char="•"/>
-              <a:defRPr sz="2800" kern="1200">
-                <a:solidFill>
-                  <a:schemeClr val="tx1"/>
-                </a:solidFill>
-                <a:latin typeface="+mn-lt"/>
-                <a:ea typeface="+mn-ea"/>
-                <a:cs typeface="+mn-cs"/>
-              </a:defRPr>
-            </a:lvl1pPr>
-            <a:lvl2pPr marL="685800" indent="-228600" algn="l" defTabSz="914400" rtl="0" eaLnBrk="1" latinLnBrk="0" hangingPunct="1">
-              <a:lnSpc>
-                <a:spcPct val="90000"/>
-              </a:lnSpc>
-              <a:spcBef>
-                <a:spcPts val="500"/>
-              </a:spcBef>
-              <a:buFont typeface="Arial" panose="020B0604020202020204" pitchFamily="34" charset="0"/>
-              <a:buChar char="•"/>
-              <a:defRPr sz="2400" kern="1200">
-                <a:solidFill>
-                  <a:schemeClr val="tx1"/>
-                </a:solidFill>
-                <a:latin typeface="+mn-lt"/>
-                <a:ea typeface="+mn-ea"/>
-                <a:cs typeface="+mn-cs"/>
-              </a:defRPr>
-            </a:lvl2pPr>
-            <a:lvl3pPr marL="1143000" indent="-228600" algn="l" defTabSz="914400" rtl="0" eaLnBrk="1" latinLnBrk="0" hangingPunct="1">
-              <a:lnSpc>
-                <a:spcPct val="90000"/>
-              </a:lnSpc>
-              <a:spcBef>
-                <a:spcPts val="500"/>
-              </a:spcBef>
-              <a:buFont typeface="Arial" panose="020B0604020202020204" pitchFamily="34" charset="0"/>
-              <a:buChar char="•"/>
-              <a:defRPr sz="2000" kern="1200">
-                <a:solidFill>
-                  <a:schemeClr val="tx1"/>
-                </a:solidFill>
-                <a:latin typeface="+mn-lt"/>
-                <a:ea typeface="+mn-ea"/>
-                <a:cs typeface="+mn-cs"/>
-              </a:defRPr>
-            </a:lvl3pPr>
-            <a:lvl4pPr marL="1600200" indent="-228600" algn="l" defTabSz="914400" rtl="0" eaLnBrk="1" latinLnBrk="0" hangingPunct="1">
-              <a:lnSpc>
-                <a:spcPct val="90000"/>
-              </a:lnSpc>
-              <a:spcBef>
-                <a:spcPts val="500"/>
-              </a:spcBef>
-              <a:buFont typeface="Arial" panose="020B0604020202020204" pitchFamily="34" charset="0"/>
-              <a:buChar char="•"/>
-              <a:defRPr sz="1800" kern="1200">
-                <a:solidFill>
-                  <a:schemeClr val="tx1"/>
-                </a:solidFill>
-                <a:latin typeface="+mn-lt"/>
-                <a:ea typeface="+mn-ea"/>
-                <a:cs typeface="+mn-cs"/>
-              </a:defRPr>
-            </a:lvl4pPr>
-            <a:lvl5pPr marL="2057400" indent="-228600" algn="l" defTabSz="914400" rtl="0" eaLnBrk="1" latinLnBrk="0" hangingPunct="1">
-              <a:lnSpc>
-                <a:spcPct val="90000"/>
-              </a:lnSpc>
-              <a:spcBef>
-                <a:spcPts val="500"/>
-              </a:spcBef>
-              <a:buFont typeface="Arial" panose="020B0604020202020204" pitchFamily="34" charset="0"/>
-              <a:buChar char="•"/>
-              <a:defRPr sz="1800" kern="1200">
-                <a:solidFill>
-                  <a:schemeClr val="tx1"/>
-                </a:solidFill>
-                <a:latin typeface="+mn-lt"/>
-                <a:ea typeface="+mn-ea"/>
-                <a:cs typeface="+mn-cs"/>
-              </a:defRPr>
-            </a:lvl5pPr>
-            <a:lvl6pPr marL="2514600" indent="-228600" algn="l" defTabSz="914400" rtl="0" eaLnBrk="1" latinLnBrk="0" hangingPunct="1">
-              <a:lnSpc>
-                <a:spcPct val="90000"/>
-              </a:lnSpc>
-              <a:spcBef>
-                <a:spcPts val="500"/>
-              </a:spcBef>
-              <a:buFont typeface="Arial" panose="020B0604020202020204" pitchFamily="34" charset="0"/>
-              <a:buChar char="•"/>
-              <a:defRPr sz="1800" kern="1200">
-                <a:solidFill>
-                  <a:schemeClr val="tx1"/>
-                </a:solidFill>
-                <a:latin typeface="+mn-lt"/>
-                <a:ea typeface="+mn-ea"/>
-                <a:cs typeface="+mn-cs"/>
-              </a:defRPr>
-            </a:lvl6pPr>
-            <a:lvl7pPr marL="2971800" indent="-228600" algn="l" defTabSz="914400" rtl="0" eaLnBrk="1" latinLnBrk="0" hangingPunct="1">
-              <a:lnSpc>
-                <a:spcPct val="90000"/>
-              </a:lnSpc>
-              <a:spcBef>
-                <a:spcPts val="500"/>
-              </a:spcBef>
-              <a:buFont typeface="Arial" panose="020B0604020202020204" pitchFamily="34" charset="0"/>
-              <a:buChar char="•"/>
-              <a:defRPr sz="1800" kern="1200">
-                <a:solidFill>
-                  <a:schemeClr val="tx1"/>
-                </a:solidFill>
-                <a:latin typeface="+mn-lt"/>
-                <a:ea typeface="+mn-ea"/>
-                <a:cs typeface="+mn-cs"/>
-              </a:defRPr>
-            </a:lvl7pPr>
-            <a:lvl8pPr marL="3429000" indent="-228600" algn="l" defTabSz="914400" rtl="0" eaLnBrk="1" latinLnBrk="0" hangingPunct="1">
-              <a:lnSpc>
-                <a:spcPct val="90000"/>
-              </a:lnSpc>
-              <a:spcBef>
-                <a:spcPts val="500"/>
-              </a:spcBef>
-              <a:buFont typeface="Arial" panose="020B0604020202020204" pitchFamily="34" charset="0"/>
-              <a:buChar char="•"/>
-              <a:defRPr sz="1800" kern="1200">
-                <a:solidFill>
-                  <a:schemeClr val="tx1"/>
-                </a:solidFill>
-                <a:latin typeface="+mn-lt"/>
-                <a:ea typeface="+mn-ea"/>
-                <a:cs typeface="+mn-cs"/>
-              </a:defRPr>
-            </a:lvl8pPr>
-            <a:lvl9pPr marL="3886200" indent="-228600" algn="l" defTabSz="914400" rtl="0" eaLnBrk="1" latinLnBrk="0" hangingPunct="1">
-              <a:lnSpc>
-                <a:spcPct val="90000"/>
-              </a:lnSpc>
-              <a:spcBef>
-                <a:spcPts val="500"/>
-              </a:spcBef>
-              <a:buFont typeface="Arial" panose="020B0604020202020204" pitchFamily="34" charset="0"/>
-              <a:buChar char="•"/>
-              <a:defRPr sz="1800" kern="1200">
-                <a:solidFill>
-                  <a:schemeClr val="tx1"/>
-                </a:solidFill>
-                <a:latin typeface="+mn-lt"/>
-                <a:ea typeface="+mn-ea"/>
-                <a:cs typeface="+mn-cs"/>
-              </a:defRPr>
-            </a:lvl9pPr>
-          </a:lstStyle>
-          <a:p>
-            <a:pPr>
-              <a:buFont typeface="Wingdings" panose="05000000000000000000" pitchFamily="2" charset="2"/>
-              <a:buChar char="Ø"/>
-            </a:pPr>
-            <a:r>
-              <a:rPr lang="en-GB" sz="2400" dirty="0" smtClean="0">
-                <a:latin typeface="Calibri" panose="020F0502020204030204" pitchFamily="34" charset="0"/>
-              </a:rPr>
-              <a:t>Open source</a:t>
-            </a:r>
-          </a:p>
-          <a:p>
-            <a:pPr>
-              <a:buFont typeface="Wingdings" panose="05000000000000000000" pitchFamily="2" charset="2"/>
-              <a:buChar char="Ø"/>
-            </a:pPr>
-            <a:r>
-              <a:rPr lang="en-GB" sz="2400" dirty="0" smtClean="0">
-                <a:latin typeface="Calibri" panose="020F0502020204030204" pitchFamily="34" charset="0"/>
-              </a:rPr>
-              <a:t>Parrot </a:t>
-            </a:r>
-            <a:r>
-              <a:rPr lang="en-GB" sz="2400" dirty="0" err="1" smtClean="0">
-                <a:latin typeface="Calibri" panose="020F0502020204030204" pitchFamily="34" charset="0"/>
-              </a:rPr>
-              <a:t>AR.Drone</a:t>
-            </a:r>
-            <a:r>
-              <a:rPr lang="en-GB" sz="2400" dirty="0" smtClean="0">
-                <a:latin typeface="Calibri" panose="020F0502020204030204" pitchFamily="34" charset="0"/>
-              </a:rPr>
-              <a:t> 2.0 owners</a:t>
-            </a:r>
-            <a:endParaRPr lang="en-GB" sz="2400" dirty="0">
-              <a:latin typeface="Calibri" panose="020F0502020204030204" pitchFamily="34" charset="0"/>
-            </a:endParaRPr>
-          </a:p>
-        </p:txBody>
-      </p:sp>
-      <p:pic>
-        <p:nvPicPr>
-          <p:cNvPr id="6" name="Picture 5"/>
-          <p:cNvPicPr>
-            <a:picLocks noChangeAspect="1"/>
-          </p:cNvPicPr>
-          <p:nvPr/>
-        </p:nvPicPr>
-        <p:blipFill>
-          <a:blip r:embed="rId2">
-            <a:extLst>
-              <a:ext uri="{28A0092B-C50C-407E-A947-70E740481C1C}">
-                <a14:useLocalDpi xmlns:a14="http://schemas.microsoft.com/office/drawing/2010/main" val="0"/>
-              </a:ext>
-            </a:extLst>
-          </a:blip>
-          <a:stretch>
-            <a:fillRect/>
-          </a:stretch>
-        </p:blipFill>
-        <p:spPr>
-          <a:xfrm>
-            <a:off x="9661577" y="0"/>
-            <a:ext cx="1839686" cy="1839686"/>
-          </a:xfrm>
-          <a:prstGeom prst="rect">
-            <a:avLst/>
-          </a:prstGeom>
-        </p:spPr>
-      </p:pic>
-      <p:sp>
-        <p:nvSpPr>
-          <p:cNvPr id="8" name="Title 1"/>
-          <p:cNvSpPr txBox="1">
-            <a:spLocks/>
-          </p:cNvSpPr>
-          <p:nvPr/>
-        </p:nvSpPr>
-        <p:spPr>
-          <a:xfrm>
-            <a:off x="1830387" y="620485"/>
-            <a:ext cx="8084910" cy="1273629"/>
-          </a:xfrm>
-          <a:prstGeom prst="rect">
-            <a:avLst/>
-          </a:prstGeom>
-          <a:effectLst/>
-        </p:spPr>
-        <p:txBody>
-          <a:bodyPr vert="horz" lIns="91440" tIns="45720" rIns="91440" bIns="45720" rtlCol="0" anchor="ctr">
-            <a:normAutofit/>
-          </a:bodyPr>
-          <a:lstStyle>
-            <a:lvl1pPr algn="ctr" defTabSz="457200" rtl="0" eaLnBrk="1" latinLnBrk="0" hangingPunct="1">
-              <a:spcBef>
-                <a:spcPct val="0"/>
-              </a:spcBef>
-              <a:buNone/>
-              <a:defRPr sz="4000" kern="1200" cap="none">
-                <a:ln w="3175" cmpd="sng">
-                  <a:noFill/>
-                </a:ln>
-                <a:solidFill>
-                  <a:schemeClr val="tx1"/>
-                </a:solidFill>
-                <a:effectLst/>
-                <a:latin typeface="+mj-lt"/>
-                <a:ea typeface="+mj-ea"/>
-                <a:cs typeface="+mj-cs"/>
-              </a:defRPr>
-            </a:lvl1pPr>
-            <a:lvl2pPr eaLnBrk="1" hangingPunct="1">
-              <a:defRPr>
-                <a:solidFill>
-                  <a:schemeClr val="tx2"/>
-                </a:solidFill>
-              </a:defRPr>
-            </a:lvl2pPr>
-            <a:lvl3pPr eaLnBrk="1" hangingPunct="1">
-              <a:defRPr>
-                <a:solidFill>
-                  <a:schemeClr val="tx2"/>
-                </a:solidFill>
-              </a:defRPr>
-            </a:lvl3pPr>
-            <a:lvl4pPr eaLnBrk="1" hangingPunct="1">
-              <a:defRPr>
-                <a:solidFill>
-                  <a:schemeClr val="tx2"/>
-                </a:solidFill>
-              </a:defRPr>
-            </a:lvl4pPr>
-            <a:lvl5pPr eaLnBrk="1" hangingPunct="1">
-              <a:defRPr>
-                <a:solidFill>
-                  <a:schemeClr val="tx2"/>
-                </a:solidFill>
-              </a:defRPr>
-            </a:lvl5pPr>
-            <a:lvl6pPr eaLnBrk="1" hangingPunct="1">
-              <a:defRPr>
-                <a:solidFill>
-                  <a:schemeClr val="tx2"/>
-                </a:solidFill>
-              </a:defRPr>
-            </a:lvl6pPr>
-            <a:lvl7pPr eaLnBrk="1" hangingPunct="1">
-              <a:defRPr>
-                <a:solidFill>
-                  <a:schemeClr val="tx2"/>
-                </a:solidFill>
-              </a:defRPr>
-            </a:lvl7pPr>
-            <a:lvl8pPr eaLnBrk="1" hangingPunct="1">
-              <a:defRPr>
-                <a:solidFill>
-                  <a:schemeClr val="tx2"/>
-                </a:solidFill>
-              </a:defRPr>
-            </a:lvl8pPr>
-            <a:lvl9pPr eaLnBrk="1" hangingPunct="1">
-              <a:defRPr>
-                <a:solidFill>
-                  <a:schemeClr val="tx2"/>
-                </a:solidFill>
-              </a:defRPr>
-            </a:lvl9pPr>
-          </a:lstStyle>
-          <a:p>
-            <a:r>
-              <a:rPr lang="en-GB" dirty="0" smtClean="0">
-                <a:latin typeface="Calibri" panose="020F0502020204030204" pitchFamily="34" charset="0"/>
-              </a:rPr>
-              <a:t>Further development</a:t>
-            </a:r>
-            <a:endParaRPr lang="en-GB" dirty="0">
-              <a:latin typeface="Calibri" panose="020F0502020204030204" pitchFamily="34" charset="0"/>
-            </a:endParaRPr>
-          </a:p>
-        </p:txBody>
-      </p:sp>
-      <p:sp>
-        <p:nvSpPr>
-          <p:cNvPr id="9" name="Title 1"/>
-          <p:cNvSpPr txBox="1">
-            <a:spLocks/>
-          </p:cNvSpPr>
-          <p:nvPr/>
-        </p:nvSpPr>
-        <p:spPr>
-          <a:xfrm>
-            <a:off x="863485" y="3331935"/>
-            <a:ext cx="10018713" cy="1273629"/>
-          </a:xfrm>
-          <a:prstGeom prst="rect">
-            <a:avLst/>
-          </a:prstGeom>
-          <a:effectLst/>
-        </p:spPr>
-        <p:txBody>
-          <a:bodyPr vert="horz" lIns="91440" tIns="45720" rIns="91440" bIns="45720" rtlCol="0" anchor="ctr">
-            <a:normAutofit/>
-          </a:bodyPr>
-          <a:lstStyle>
-            <a:lvl1pPr algn="ctr" defTabSz="457200" rtl="0" eaLnBrk="1" latinLnBrk="0" hangingPunct="1">
-              <a:spcBef>
-                <a:spcPct val="0"/>
-              </a:spcBef>
-              <a:buNone/>
-              <a:defRPr sz="4000" kern="1200" cap="none">
-                <a:ln w="3175" cmpd="sng">
-                  <a:noFill/>
-                </a:ln>
-                <a:solidFill>
-                  <a:schemeClr val="tx1"/>
-                </a:solidFill>
-                <a:effectLst/>
-                <a:latin typeface="+mj-lt"/>
-                <a:ea typeface="+mj-ea"/>
-                <a:cs typeface="+mj-cs"/>
-              </a:defRPr>
-            </a:lvl1pPr>
-            <a:lvl2pPr eaLnBrk="1" hangingPunct="1">
-              <a:defRPr>
-                <a:solidFill>
-                  <a:schemeClr val="tx2"/>
-                </a:solidFill>
-              </a:defRPr>
-            </a:lvl2pPr>
-            <a:lvl3pPr eaLnBrk="1" hangingPunct="1">
-              <a:defRPr>
-                <a:solidFill>
-                  <a:schemeClr val="tx2"/>
-                </a:solidFill>
-              </a:defRPr>
-            </a:lvl3pPr>
-            <a:lvl4pPr eaLnBrk="1" hangingPunct="1">
-              <a:defRPr>
-                <a:solidFill>
-                  <a:schemeClr val="tx2"/>
-                </a:solidFill>
-              </a:defRPr>
-            </a:lvl4pPr>
-            <a:lvl5pPr eaLnBrk="1" hangingPunct="1">
-              <a:defRPr>
-                <a:solidFill>
-                  <a:schemeClr val="tx2"/>
-                </a:solidFill>
-              </a:defRPr>
-            </a:lvl5pPr>
-            <a:lvl6pPr eaLnBrk="1" hangingPunct="1">
-              <a:defRPr>
-                <a:solidFill>
-                  <a:schemeClr val="tx2"/>
-                </a:solidFill>
-              </a:defRPr>
-            </a:lvl6pPr>
-            <a:lvl7pPr eaLnBrk="1" hangingPunct="1">
-              <a:defRPr>
-                <a:solidFill>
-                  <a:schemeClr val="tx2"/>
-                </a:solidFill>
-              </a:defRPr>
-            </a:lvl7pPr>
-            <a:lvl8pPr eaLnBrk="1" hangingPunct="1">
-              <a:defRPr>
-                <a:solidFill>
-                  <a:schemeClr val="tx2"/>
-                </a:solidFill>
-              </a:defRPr>
-            </a:lvl8pPr>
-            <a:lvl9pPr eaLnBrk="1" hangingPunct="1">
-              <a:defRPr>
-                <a:solidFill>
-                  <a:schemeClr val="tx2"/>
-                </a:solidFill>
-              </a:defRPr>
-            </a:lvl9pPr>
-          </a:lstStyle>
-          <a:p>
-            <a:r>
-              <a:rPr lang="en-GB" dirty="0" smtClean="0">
-                <a:latin typeface="Calibri" panose="020F0502020204030204" pitchFamily="34" charset="0"/>
-              </a:rPr>
-              <a:t>Project </a:t>
-            </a:r>
-            <a:r>
-              <a:rPr lang="en-GB" dirty="0" err="1" smtClean="0">
-                <a:latin typeface="Calibri" panose="020F0502020204030204" pitchFamily="34" charset="0"/>
-              </a:rPr>
-              <a:t>beneficieries</a:t>
-            </a:r>
-            <a:endParaRPr lang="en-GB" dirty="0">
-              <a:latin typeface="Calibri" panose="020F0502020204030204" pitchFamily="34" charset="0"/>
-            </a:endParaRPr>
-          </a:p>
-        </p:txBody>
-      </p:sp>
-      <p:sp>
-        <p:nvSpPr>
-          <p:cNvPr id="10" name="TextBox 9"/>
-          <p:cNvSpPr txBox="1"/>
-          <p:nvPr/>
-        </p:nvSpPr>
-        <p:spPr>
-          <a:xfrm>
-            <a:off x="3581400" y="2072442"/>
-            <a:ext cx="3692742" cy="1569660"/>
-          </a:xfrm>
-          <a:prstGeom prst="rect">
-            <a:avLst/>
-          </a:prstGeom>
-          <a:noFill/>
-        </p:spPr>
-        <p:txBody>
-          <a:bodyPr wrap="none" rtlCol="0">
-            <a:spAutoFit/>
-          </a:bodyPr>
-          <a:lstStyle/>
-          <a:p>
-            <a:pPr>
-              <a:buFont typeface="Wingdings" panose="05000000000000000000" pitchFamily="2" charset="2"/>
-              <a:buChar char="Ø"/>
-            </a:pPr>
-            <a:r>
-              <a:rPr lang="en-GB" sz="2400" dirty="0">
-                <a:latin typeface="Calibri" panose="020F0502020204030204" pitchFamily="34" charset="0"/>
-              </a:rPr>
-              <a:t>Smoother drone controls</a:t>
-            </a:r>
-          </a:p>
-          <a:p>
-            <a:pPr>
-              <a:buFont typeface="Wingdings" panose="05000000000000000000" pitchFamily="2" charset="2"/>
-              <a:buChar char="Ø"/>
-            </a:pPr>
-            <a:r>
-              <a:rPr lang="en-GB" sz="2400" dirty="0">
-                <a:latin typeface="Calibri" panose="020F0502020204030204" pitchFamily="34" charset="0"/>
-              </a:rPr>
-              <a:t>Better pattern recognition</a:t>
-            </a:r>
-          </a:p>
-          <a:p>
-            <a:pPr>
-              <a:buFont typeface="Wingdings" panose="05000000000000000000" pitchFamily="2" charset="2"/>
-              <a:buChar char="Ø"/>
-            </a:pPr>
-            <a:r>
-              <a:rPr lang="en-GB" sz="2400" dirty="0">
-                <a:latin typeface="Calibri" panose="020F0502020204030204" pitchFamily="34" charset="0"/>
-              </a:rPr>
-              <a:t>More advanced game</a:t>
-            </a:r>
-          </a:p>
-          <a:p>
-            <a:endParaRPr lang="en-GB" sz="2400" dirty="0">
-              <a:latin typeface="Calibri" panose="020F0502020204030204" pitchFamily="34" charset="0"/>
-            </a:endParaRPr>
-          </a:p>
-        </p:txBody>
-      </p:sp>
-    </p:spTree>
-    <p:extLst>
-      <p:ext uri="{BB962C8B-B14F-4D97-AF65-F5344CB8AC3E}">
-        <p14:creationId xmlns:p14="http://schemas.microsoft.com/office/powerpoint/2010/main" val="4151553255"/>
-      </p:ext>
-    </p:extLst>
-  </p:cSld>
-  <p:clrMapOvr>
-    <a:masterClrMapping/>
-  </p:clrMapOvr>
-  <p:timing>
-    <p:tnLst>
-      <p:par>
-        <p:cTn id="1" dur="indefinite" restart="never" nodeType="tmRoot">
-          <p:childTnLst>
-            <p:seq concurrent="1" nextAc="seek">
-              <p:cTn id="2" dur="indefinite" nodeType="mainSeq">
-                <p:childTnLst>
-                  <p:par>
-                    <p:cTn id="3" fill="hold">
-                      <p:stCondLst>
-                        <p:cond delay="indefinite"/>
-                      </p:stCondLst>
-                      <p:childTnLst>
-                        <p:par>
-                          <p:cTn id="4" fill="hold">
-                            <p:stCondLst>
-                              <p:cond delay="0"/>
-                            </p:stCondLst>
-                            <p:childTnLst>
-                              <p:par>
-                                <p:cTn id="5" presetID="10" presetClass="entr" presetSubtype="0" fill="hold" nodeType="clickEffect">
-                                  <p:stCondLst>
-                                    <p:cond delay="0"/>
-                                  </p:stCondLst>
-                                  <p:childTnLst>
-                                    <p:set>
-                                      <p:cBhvr>
-                                        <p:cTn id="6" dur="1" fill="hold">
-                                          <p:stCondLst>
-                                            <p:cond delay="0"/>
-                                          </p:stCondLst>
-                                        </p:cTn>
-                                        <p:tgtEl>
-                                          <p:spTgt spid="10">
-                                            <p:txEl>
-                                              <p:pRg st="0" end="0"/>
-                                            </p:txEl>
-                                          </p:spTgt>
-                                        </p:tgtEl>
-                                        <p:attrNameLst>
-                                          <p:attrName>style.visibility</p:attrName>
-                                        </p:attrNameLst>
-                                      </p:cBhvr>
-                                      <p:to>
-                                        <p:strVal val="visible"/>
-                                      </p:to>
-                                    </p:set>
-                                    <p:animEffect transition="in" filter="fade">
-                                      <p:cBhvr>
-                                        <p:cTn id="7" dur="500"/>
-                                        <p:tgtEl>
-                                          <p:spTgt spid="10">
-                                            <p:txEl>
-                                              <p:pRg st="0" end="0"/>
-                                            </p:txEl>
-                                          </p:spTgt>
-                                        </p:tgtEl>
-                                      </p:cBhvr>
-                                    </p:animEffect>
-                                  </p:childTnLst>
-                                </p:cTn>
-                              </p:par>
-                            </p:childTnLst>
-                          </p:cTn>
-                        </p:par>
-                      </p:childTnLst>
-                    </p:cTn>
-                  </p:par>
-                  <p:par>
-                    <p:cTn id="8" fill="hold">
-                      <p:stCondLst>
-                        <p:cond delay="indefinite"/>
-                      </p:stCondLst>
-                      <p:childTnLst>
-                        <p:par>
-                          <p:cTn id="9" fill="hold">
-                            <p:stCondLst>
-                              <p:cond delay="0"/>
-                            </p:stCondLst>
-                            <p:childTnLst>
-                              <p:par>
-                                <p:cTn id="10" presetID="10" presetClass="entr" presetSubtype="0" fill="hold" nodeType="clickEffect">
-                                  <p:stCondLst>
-                                    <p:cond delay="0"/>
-                                  </p:stCondLst>
-                                  <p:childTnLst>
-                                    <p:set>
-                                      <p:cBhvr>
-                                        <p:cTn id="11" dur="1" fill="hold">
-                                          <p:stCondLst>
-                                            <p:cond delay="0"/>
-                                          </p:stCondLst>
-                                        </p:cTn>
-                                        <p:tgtEl>
-                                          <p:spTgt spid="10">
-                                            <p:txEl>
-                                              <p:pRg st="1" end="1"/>
-                                            </p:txEl>
-                                          </p:spTgt>
-                                        </p:tgtEl>
-                                        <p:attrNameLst>
-                                          <p:attrName>style.visibility</p:attrName>
-                                        </p:attrNameLst>
-                                      </p:cBhvr>
-                                      <p:to>
-                                        <p:strVal val="visible"/>
-                                      </p:to>
-                                    </p:set>
-                                    <p:animEffect transition="in" filter="fade">
-                                      <p:cBhvr>
-                                        <p:cTn id="12" dur="500"/>
-                                        <p:tgtEl>
-                                          <p:spTgt spid="10">
-                                            <p:txEl>
-                                              <p:pRg st="1" end="1"/>
-                                            </p:txEl>
-                                          </p:spTgt>
-                                        </p:tgtEl>
-                                      </p:cBhvr>
-                                    </p:animEffect>
-                                  </p:childTnLst>
-                                </p:cTn>
-                              </p:par>
-                            </p:childTnLst>
-                          </p:cTn>
-                        </p:par>
-                      </p:childTnLst>
-                    </p:cTn>
-                  </p:par>
-                  <p:par>
-                    <p:cTn id="13" fill="hold">
-                      <p:stCondLst>
-                        <p:cond delay="indefinite"/>
-                      </p:stCondLst>
-                      <p:childTnLst>
-                        <p:par>
-                          <p:cTn id="14" fill="hold">
-                            <p:stCondLst>
-                              <p:cond delay="0"/>
-                            </p:stCondLst>
-                            <p:childTnLst>
-                              <p:par>
-                                <p:cTn id="15" presetID="10" presetClass="entr" presetSubtype="0" fill="hold" nodeType="clickEffect">
-                                  <p:stCondLst>
-                                    <p:cond delay="0"/>
-                                  </p:stCondLst>
-                                  <p:childTnLst>
-                                    <p:set>
-                                      <p:cBhvr>
-                                        <p:cTn id="16" dur="1" fill="hold">
-                                          <p:stCondLst>
-                                            <p:cond delay="0"/>
-                                          </p:stCondLst>
-                                        </p:cTn>
-                                        <p:tgtEl>
-                                          <p:spTgt spid="10">
-                                            <p:txEl>
-                                              <p:pRg st="2" end="2"/>
-                                            </p:txEl>
-                                          </p:spTgt>
-                                        </p:tgtEl>
-                                        <p:attrNameLst>
-                                          <p:attrName>style.visibility</p:attrName>
-                                        </p:attrNameLst>
-                                      </p:cBhvr>
-                                      <p:to>
-                                        <p:strVal val="visible"/>
-                                      </p:to>
-                                    </p:set>
-                                    <p:animEffect transition="in" filter="fade">
-                                      <p:cBhvr>
-                                        <p:cTn id="17" dur="500"/>
-                                        <p:tgtEl>
-                                          <p:spTgt spid="10">
-                                            <p:txEl>
-                                              <p:pRg st="2" end="2"/>
-                                            </p:txEl>
-                                          </p:spTgt>
-                                        </p:tgtEl>
-                                      </p:cBhvr>
-                                    </p:animEffect>
-                                  </p:childTnLst>
-                                </p:cTn>
-                              </p:par>
-                            </p:childTnLst>
-                          </p:cTn>
-                        </p:par>
-                      </p:childTnLst>
-                    </p:cTn>
-                  </p:par>
-                  <p:par>
-                    <p:cTn id="18" fill="hold">
-                      <p:stCondLst>
-                        <p:cond delay="indefinite"/>
-                      </p:stCondLst>
-                      <p:childTnLst>
-                        <p:par>
-                          <p:cTn id="19" fill="hold">
-                            <p:stCondLst>
-                              <p:cond delay="0"/>
-                            </p:stCondLst>
-                            <p:childTnLst>
-                              <p:par>
-                                <p:cTn id="20" presetID="10" presetClass="entr" presetSubtype="0" fill="hold" grpId="0" nodeType="clickEffect">
-                                  <p:stCondLst>
-                                    <p:cond delay="0"/>
-                                  </p:stCondLst>
-                                  <p:childTnLst>
-                                    <p:set>
-                                      <p:cBhvr>
-                                        <p:cTn id="21" dur="1" fill="hold">
-                                          <p:stCondLst>
-                                            <p:cond delay="0"/>
-                                          </p:stCondLst>
-                                        </p:cTn>
-                                        <p:tgtEl>
-                                          <p:spTgt spid="9"/>
-                                        </p:tgtEl>
-                                        <p:attrNameLst>
-                                          <p:attrName>style.visibility</p:attrName>
-                                        </p:attrNameLst>
-                                      </p:cBhvr>
-                                      <p:to>
-                                        <p:strVal val="visible"/>
-                                      </p:to>
-                                    </p:set>
-                                    <p:animEffect transition="in" filter="fade">
-                                      <p:cBhvr>
-                                        <p:cTn id="22" dur="500"/>
-                                        <p:tgtEl>
-                                          <p:spTgt spid="9"/>
-                                        </p:tgtEl>
-                                      </p:cBhvr>
-                                    </p:animEffect>
-                                  </p:childTnLst>
-                                </p:cTn>
-                              </p:par>
-                            </p:childTnLst>
-                          </p:cTn>
-                        </p:par>
-                      </p:childTnLst>
-                    </p:cTn>
-                  </p:par>
-                  <p:par>
-                    <p:cTn id="23" fill="hold">
-                      <p:stCondLst>
-                        <p:cond delay="indefinite"/>
-                      </p:stCondLst>
-                      <p:childTnLst>
-                        <p:par>
-                          <p:cTn id="24" fill="hold">
-                            <p:stCondLst>
-                              <p:cond delay="0"/>
-                            </p:stCondLst>
-                            <p:childTnLst>
-                              <p:par>
-                                <p:cTn id="25" presetID="10" presetClass="entr" presetSubtype="0" fill="hold" nodeType="clickEffect">
-                                  <p:stCondLst>
-                                    <p:cond delay="0"/>
-                                  </p:stCondLst>
-                                  <p:childTnLst>
-                                    <p:set>
-                                      <p:cBhvr>
-                                        <p:cTn id="26" dur="1" fill="hold">
-                                          <p:stCondLst>
-                                            <p:cond delay="0"/>
-                                          </p:stCondLst>
-                                        </p:cTn>
-                                        <p:tgtEl>
-                                          <p:spTgt spid="5">
-                                            <p:txEl>
-                                              <p:pRg st="0" end="0"/>
-                                            </p:txEl>
-                                          </p:spTgt>
-                                        </p:tgtEl>
-                                        <p:attrNameLst>
-                                          <p:attrName>style.visibility</p:attrName>
-                                        </p:attrNameLst>
-                                      </p:cBhvr>
-                                      <p:to>
-                                        <p:strVal val="visible"/>
-                                      </p:to>
-                                    </p:set>
-                                    <p:animEffect transition="in" filter="fade">
-                                      <p:cBhvr>
-                                        <p:cTn id="27" dur="500"/>
-                                        <p:tgtEl>
-                                          <p:spTgt spid="5">
-                                            <p:txEl>
-                                              <p:pRg st="0" end="0"/>
-                                            </p:txEl>
-                                          </p:spTgt>
-                                        </p:tgtEl>
-                                      </p:cBhvr>
-                                    </p:animEffect>
-                                  </p:childTnLst>
-                                </p:cTn>
-                              </p:par>
-                            </p:childTnLst>
-                          </p:cTn>
-                        </p:par>
-                      </p:childTnLst>
-                    </p:cTn>
-                  </p:par>
-                  <p:par>
-                    <p:cTn id="28" fill="hold">
-                      <p:stCondLst>
-                        <p:cond delay="indefinite"/>
-                      </p:stCondLst>
-                      <p:childTnLst>
-                        <p:par>
-                          <p:cTn id="29" fill="hold">
-                            <p:stCondLst>
-                              <p:cond delay="0"/>
-                            </p:stCondLst>
-                            <p:childTnLst>
-                              <p:par>
-                                <p:cTn id="30" presetID="10" presetClass="entr" presetSubtype="0" fill="hold" nodeType="clickEffect">
-                                  <p:stCondLst>
-                                    <p:cond delay="0"/>
-                                  </p:stCondLst>
-                                  <p:childTnLst>
-                                    <p:set>
-                                      <p:cBhvr>
-                                        <p:cTn id="31" dur="1" fill="hold">
-                                          <p:stCondLst>
-                                            <p:cond delay="0"/>
-                                          </p:stCondLst>
-                                        </p:cTn>
-                                        <p:tgtEl>
-                                          <p:spTgt spid="5">
-                                            <p:txEl>
-                                              <p:pRg st="1" end="1"/>
-                                            </p:txEl>
-                                          </p:spTgt>
-                                        </p:tgtEl>
-                                        <p:attrNameLst>
-                                          <p:attrName>style.visibility</p:attrName>
-                                        </p:attrNameLst>
-                                      </p:cBhvr>
-                                      <p:to>
-                                        <p:strVal val="visible"/>
-                                      </p:to>
-                                    </p:set>
-                                    <p:animEffect transition="in" filter="fade">
-                                      <p:cBhvr>
-                                        <p:cTn id="32" dur="500"/>
-                                        <p:tgtEl>
-                                          <p:spTgt spid="5">
-                                            <p:txEl>
-                                              <p:pRg st="1" end="1"/>
-                                            </p:txEl>
-                                          </p:spTgt>
-                                        </p:tgtEl>
-                                      </p:cBhvr>
-                                    </p:animEffect>
-                                  </p:childTnLst>
-                                </p:cTn>
-                              </p:par>
-                            </p:childTnLst>
-                          </p:cTn>
-                        </p:par>
-                      </p:childTnLst>
-                    </p:cTn>
-                  </p:par>
-                </p:childTnLst>
-              </p:cTn>
-              <p:prevCondLst>
-                <p:cond evt="onPrev" delay="0">
-                  <p:tgtEl>
-                    <p:sldTgt/>
-                  </p:tgtEl>
-                </p:cond>
-              </p:prevCondLst>
-              <p:nextCondLst>
-                <p:cond evt="onNext" delay="0">
-                  <p:tgtEl>
-                    <p:sldTgt/>
-                  </p:tgtEl>
-                </p:cond>
-              </p:nextCondLst>
-            </p:seq>
-          </p:childTnLst>
-        </p:cTn>
-      </p:par>
-    </p:tnLst>
-    <p:bldLst>
-      <p:bldP spid="9" grpId="0"/>
-    </p:bldLst>
-  </p:timing>
-</p:sld>
-</file>
-
 <file path=ppt/theme/theme1.xml><?xml version="1.0" encoding="utf-8"?>
 <a:theme xmlns:a="http://schemas.openxmlformats.org/drawingml/2006/main" name="Parallax">
   <a:themeElements>
